--- a/git使用详解/git.pptx
+++ b/git使用详解/git.pptx
@@ -3150,13 +3150,13 @@
         </p:nvSpPr>
         <p:spPr>
           <a:xfrm>
-            <a:off x="561754" y="563526"/>
-            <a:ext cx="10515600" cy="5411971"/>
+            <a:off x="444796" y="223284"/>
+            <a:ext cx="10515600" cy="3636335"/>
           </a:xfrm>
         </p:spPr>
         <p:txBody>
           <a:bodyPr>
-            <a:normAutofit fontScale="92500" lnSpcReduction="10000"/>
+            <a:normAutofit fontScale="62500" lnSpcReduction="20000"/>
           </a:bodyPr>
           <a:lstStyle/>
           <a:p>
@@ -3334,7 +3334,34 @@
             </a:r>
             <a:r>
               <a:rPr lang="zh-CN" altLang="en-US" dirty="0" smtClean="0"/>
-              <a:t>：指定特定的风格；</a:t>
+              <a:t>：指定特定的风格</a:t>
+            </a:r>
+            <a:r>
+              <a:rPr lang="zh-CN" altLang="en-US" dirty="0" smtClean="0"/>
+              <a:t>；</a:t>
+            </a:r>
+            <a:endParaRPr lang="en-US" altLang="zh-CN" dirty="0" smtClean="0"/>
+          </a:p>
+          <a:p>
+            <a:r>
+              <a:rPr lang="en-US" altLang="zh-CN" dirty="0" smtClean="0"/>
+              <a:t>--</a:t>
+            </a:r>
+            <a:r>
+              <a:rPr lang="en-US" altLang="zh-CN" dirty="0" err="1" smtClean="0"/>
+              <a:t>oneline</a:t>
+            </a:r>
+            <a:r>
+              <a:rPr lang="en-US" altLang="zh-CN" dirty="0" smtClean="0"/>
+              <a:t>: </a:t>
+            </a:r>
+            <a:r>
+              <a:rPr lang="zh-CN" altLang="en-US" dirty="0"/>
+              <a:t>每</a:t>
+            </a:r>
+            <a:r>
+              <a:rPr lang="zh-CN" altLang="en-US" dirty="0" smtClean="0"/>
+              <a:t>条记录显示一行；</a:t>
             </a:r>
             <a:endParaRPr lang="en-US" altLang="zh-CN" dirty="0" smtClean="0"/>
           </a:p>
@@ -3353,17 +3380,125 @@
             <a:endParaRPr lang="en-US" altLang="zh-CN" dirty="0"/>
           </a:p>
           <a:p>
+            <a:endParaRPr lang="zh-CN" altLang="en-US" dirty="0"/>
+          </a:p>
+        </p:txBody>
+      </p:sp>
+      <p:sp>
+        <p:nvSpPr>
+          <p:cNvPr id="4" name="文本框 3"/>
+          <p:cNvSpPr txBox="1"/>
+          <p:nvPr/>
+        </p:nvSpPr>
+        <p:spPr>
+          <a:xfrm>
+            <a:off x="552893" y="4019107"/>
+            <a:ext cx="10909005" cy="2031325"/>
+          </a:xfrm>
+          <a:prstGeom prst="rect">
+            <a:avLst/>
+          </a:prstGeom>
+          <a:noFill/>
+        </p:spPr>
+        <p:txBody>
+          <a:bodyPr wrap="square" rtlCol="0">
+            <a:spAutoFit/>
+          </a:bodyPr>
+          <a:lstStyle/>
+          <a:p>
             <a:r>
               <a:rPr lang="en-US" altLang="zh-CN" dirty="0" smtClean="0"/>
               <a:t>4.9 </a:t>
             </a:r>
             <a:r>
               <a:rPr lang="zh-CN" altLang="en-US" dirty="0" smtClean="0"/>
-              <a:t>撤销操作</a:t>
-            </a:r>
-            <a:endParaRPr lang="en-US" altLang="zh-CN" dirty="0" smtClean="0"/>
-          </a:p>
-          <a:p>
+              <a:t>版本回退</a:t>
+            </a:r>
+            <a:endParaRPr lang="en-US" altLang="zh-CN" dirty="0" smtClean="0"/>
+          </a:p>
+          <a:p>
+            <a:r>
+              <a:rPr lang="en-US" altLang="zh-CN" dirty="0" smtClean="0"/>
+              <a:t>   </a:t>
+            </a:r>
+            <a:r>
+              <a:rPr lang="en-US" altLang="zh-CN" dirty="0" err="1" smtClean="0"/>
+              <a:t>git</a:t>
+            </a:r>
+            <a:r>
+              <a:rPr lang="en-US" altLang="zh-CN" dirty="0" smtClean="0"/>
+              <a:t> reset </a:t>
+            </a:r>
+          </a:p>
+          <a:p>
+            <a:r>
+              <a:rPr lang="en-US" altLang="zh-CN" dirty="0" smtClean="0"/>
+              <a:t>   </a:t>
+            </a:r>
+            <a:r>
+              <a:rPr lang="zh-CN" altLang="en-US" dirty="0" smtClean="0"/>
+              <a:t>参数：</a:t>
+            </a:r>
+            <a:endParaRPr lang="en-US" altLang="zh-CN" dirty="0" smtClean="0"/>
+          </a:p>
+          <a:p>
+            <a:r>
+              <a:rPr lang="en-US" altLang="zh-CN" dirty="0" smtClean="0"/>
+              <a:t>	--soft</a:t>
+            </a:r>
+            <a:r>
+              <a:rPr lang="zh-CN" altLang="en-US" dirty="0" smtClean="0"/>
+              <a:t>：撤销提交</a:t>
+            </a:r>
+            <a:endParaRPr lang="en-US" altLang="zh-CN" dirty="0" smtClean="0"/>
+          </a:p>
+          <a:p>
+            <a:r>
+              <a:rPr lang="en-US" altLang="zh-CN" dirty="0"/>
+              <a:t>	</a:t>
+            </a:r>
+            <a:r>
+              <a:rPr lang="en-US" altLang="zh-CN" dirty="0" smtClean="0"/>
+              <a:t>--mixed(</a:t>
+            </a:r>
+            <a:r>
+              <a:rPr lang="zh-CN" altLang="en-US" dirty="0" smtClean="0"/>
+              <a:t>默认</a:t>
+            </a:r>
+            <a:r>
+              <a:rPr lang="en-US" altLang="zh-CN" dirty="0" smtClean="0"/>
+              <a:t>): </a:t>
+            </a:r>
+            <a:r>
+              <a:rPr lang="zh-CN" altLang="en-US" dirty="0" smtClean="0"/>
+              <a:t>撤销提交及暂存</a:t>
+            </a:r>
+            <a:endParaRPr lang="en-US" altLang="zh-CN" dirty="0" smtClean="0"/>
+          </a:p>
+          <a:p>
+            <a:r>
+              <a:rPr lang="en-US" altLang="zh-CN" dirty="0"/>
+              <a:t>	</a:t>
+            </a:r>
+            <a:r>
+              <a:rPr lang="en-US" altLang="zh-CN" dirty="0" smtClean="0"/>
+              <a:t>--hard</a:t>
+            </a:r>
+            <a:r>
+              <a:rPr lang="zh-CN" altLang="en-US" dirty="0" smtClean="0"/>
+              <a:t>：撤销、暂存并充值工作目录到对应提交</a:t>
+            </a:r>
+            <a:endParaRPr lang="en-US" altLang="zh-CN" dirty="0" smtClean="0"/>
+          </a:p>
+          <a:p>
+            <a:r>
+              <a:rPr lang="en-US" altLang="zh-CN" dirty="0"/>
+              <a:t> </a:t>
+            </a:r>
+            <a:r>
+              <a:rPr lang="en-US" altLang="zh-CN" dirty="0" smtClean="0"/>
+              <a:t>   </a:t>
+            </a:r>
             <a:endParaRPr lang="zh-CN" altLang="en-US" dirty="0"/>
           </a:p>
         </p:txBody>
@@ -3423,14 +3558,32 @@
         </p:spPr>
         <p:txBody>
           <a:bodyPr>
-            <a:normAutofit fontScale="92500" lnSpcReduction="10000"/>
+            <a:normAutofit fontScale="85000" lnSpcReduction="20000"/>
           </a:bodyPr>
           <a:lstStyle/>
           <a:p>
+            <a:r>
+              <a:rPr lang="en-US" altLang="zh-CN" dirty="0" smtClean="0"/>
+              <a:t>4.10 </a:t>
+            </a:r>
+            <a:r>
+              <a:rPr lang="zh-CN" altLang="en-US" dirty="0" smtClean="0"/>
+              <a:t>撤销操作</a:t>
+            </a:r>
+            <a:endParaRPr lang="en-US" altLang="zh-CN" dirty="0" smtClean="0"/>
+          </a:p>
+          <a:p>
+            <a:endParaRPr lang="en-US" altLang="zh-CN" dirty="0" smtClean="0"/>
+          </a:p>
+          <a:p>
             <a:pPr lvl="1"/>
             <a:r>
               <a:rPr lang="en-US" altLang="zh-CN" dirty="0" smtClean="0"/>
-              <a:t>1.</a:t>
+              <a:t>1</a:t>
+            </a:r>
+            <a:r>
+              <a:rPr lang="en-US" altLang="zh-CN" dirty="0" smtClean="0"/>
+              <a:t>.</a:t>
             </a:r>
             <a:r>
               <a:rPr lang="zh-CN" altLang="en-US" dirty="0" smtClean="0"/>
@@ -3500,8 +3653,13 @@
             </a:r>
             <a:r>
               <a:rPr lang="en-US" altLang="zh-CN" dirty="0" smtClean="0"/>
-              <a:t> reset --soft HEAD^</a:t>
-            </a:r>
+              <a:t> reset --soft </a:t>
+            </a:r>
+            <a:r>
+              <a:rPr lang="en-US" altLang="zh-CN" dirty="0" smtClean="0"/>
+              <a:t>HEAD~</a:t>
+            </a:r>
+            <a:endParaRPr lang="en-US" altLang="zh-CN" dirty="0" smtClean="0"/>
           </a:p>
           <a:p>
             <a:pPr lvl="1"/>
@@ -4628,11 +4786,7 @@
             </a:r>
             <a:r>
               <a:rPr lang="zh-CN" altLang="en-US" dirty="0" smtClean="0"/>
-              <a:t>分支</a:t>
-            </a:r>
-            <a:r>
-              <a:rPr lang="zh-CN" altLang="en-US" dirty="0" smtClean="0"/>
-              <a:t>合并</a:t>
+              <a:t>分支合并</a:t>
             </a:r>
             <a:endParaRPr lang="en-US" altLang="zh-CN" dirty="0" smtClean="0"/>
           </a:p>
@@ -4650,11 +4804,7 @@
             </a:r>
             <a:r>
               <a:rPr lang="en-US" altLang="zh-CN" dirty="0" smtClean="0"/>
-              <a:t> merge </a:t>
-            </a:r>
-            <a:r>
-              <a:rPr lang="en-US" altLang="zh-CN" dirty="0" smtClean="0"/>
-              <a:t>name</a:t>
+              <a:t> merge name</a:t>
             </a:r>
           </a:p>
           <a:p>
@@ -4972,8 +5122,12 @@
               <a:t>	</a:t>
             </a:r>
             <a:r>
-              <a:rPr lang="en-US" altLang="zh-CN" dirty="0" smtClean="0"/>
-              <a:t>1) </a:t>
+              <a:rPr lang="en-US" altLang="zh-CN" dirty="0"/>
+              <a:t>3</a:t>
+            </a:r>
+            <a:r>
+              <a:rPr lang="en-US" altLang="zh-CN" dirty="0" smtClean="0"/>
+              <a:t>) </a:t>
             </a:r>
             <a:r>
               <a:rPr lang="en-US" altLang="zh-CN" dirty="0" err="1" smtClean="0"/>
@@ -4990,8 +5144,12 @@
               <a:t>	</a:t>
             </a:r>
             <a:r>
-              <a:rPr lang="en-US" altLang="zh-CN" dirty="0" smtClean="0"/>
-              <a:t>2) </a:t>
+              <a:rPr lang="en-US" altLang="zh-CN" dirty="0"/>
+              <a:t>4</a:t>
+            </a:r>
+            <a:r>
+              <a:rPr lang="en-US" altLang="zh-CN" dirty="0" smtClean="0"/>
+              <a:t>) </a:t>
             </a:r>
             <a:r>
               <a:rPr lang="en-US" altLang="zh-CN" dirty="0" err="1" smtClean="0"/>
@@ -5005,7 +5163,11 @@
           <a:p>
             <a:r>
               <a:rPr lang="en-US" altLang="zh-CN" dirty="0" smtClean="0"/>
-              <a:t>	3) </a:t>
+              <a:t>	</a:t>
+            </a:r>
+            <a:r>
+              <a:rPr lang="en-US" altLang="zh-CN" dirty="0" smtClean="0"/>
+              <a:t>5) </a:t>
             </a:r>
             <a:r>
               <a:rPr lang="en-US" altLang="zh-CN" dirty="0" err="1" smtClean="0"/>
@@ -5163,11 +5325,7 @@
             </a:r>
             <a:r>
               <a:rPr lang="zh-CN" altLang="en-US" dirty="0" smtClean="0"/>
-              <a:t>传输数据使用的</a:t>
-            </a:r>
-            <a:r>
-              <a:rPr lang="zh-CN" altLang="en-US" dirty="0" smtClean="0"/>
-              <a:t>协议</a:t>
+              <a:t>传输数据使用的协议</a:t>
             </a:r>
             <a:endParaRPr lang="en-US" altLang="zh-CN" dirty="0" smtClean="0"/>
           </a:p>
@@ -5217,11 +5375,7 @@
             </a:r>
             <a:r>
               <a:rPr lang="zh-CN" altLang="en-US" dirty="0" smtClean="0"/>
-              <a:t>协议稍</a:t>
-            </a:r>
-            <a:r>
-              <a:rPr lang="zh-CN" altLang="en-US" dirty="0" smtClean="0"/>
-              <a:t>棘手；</a:t>
+              <a:t>协议稍棘手；</a:t>
             </a:r>
             <a:endParaRPr lang="en-US" altLang="zh-CN" dirty="0" smtClean="0"/>
           </a:p>
@@ -5247,11 +5401,7 @@
             </a:r>
             <a:r>
               <a:rPr lang="zh-CN" altLang="en-US" dirty="0" smtClean="0"/>
-              <a:t>协议：容易架设，但不能匿名访问，使用要配置密钥和公钥</a:t>
-            </a:r>
-            <a:r>
-              <a:rPr lang="zh-CN" altLang="en-US" dirty="0" smtClean="0"/>
-              <a:t>。</a:t>
+              <a:t>协议：容易架设，但不能匿名访问，使用要配置密钥和公钥。</a:t>
             </a:r>
             <a:endParaRPr lang="en-US" altLang="zh-CN" dirty="0" smtClean="0"/>
           </a:p>
@@ -5277,11 +5427,7 @@
             </a:r>
             <a:r>
               <a:rPr lang="zh-CN" altLang="en-US" dirty="0" smtClean="0"/>
-              <a:t>协议：传输速度最快，但没有授权机制，端口号可能会被屏蔽</a:t>
-            </a:r>
-            <a:r>
-              <a:rPr lang="zh-CN" altLang="en-US" dirty="0" smtClean="0"/>
-              <a:t>。</a:t>
+              <a:t>协议：传输速度最快，但没有授权机制，端口号可能会被屏蔽。</a:t>
             </a:r>
             <a:endParaRPr lang="en-US" altLang="zh-CN" dirty="0" smtClean="0"/>
           </a:p>
@@ -5321,11 +5467,7 @@
             </a:r>
             <a:r>
               <a:rPr lang="zh-CN" altLang="en-US" dirty="0" smtClean="0"/>
-              <a:t>凭证</a:t>
-            </a:r>
-            <a:r>
-              <a:rPr lang="zh-CN" altLang="en-US" dirty="0" smtClean="0"/>
-              <a:t>存储</a:t>
+              <a:t>凭证存储</a:t>
             </a:r>
             <a:endParaRPr lang="en-US" altLang="zh-CN" dirty="0" smtClean="0"/>
           </a:p>
@@ -7483,10 +7625,15 @@
             <p:ph idx="1"/>
           </p:nvPr>
         </p:nvSpPr>
-        <p:spPr/>
+        <p:spPr>
+          <a:xfrm>
+            <a:off x="838200" y="1254642"/>
+            <a:ext cx="10515600" cy="4922321"/>
+          </a:xfrm>
+        </p:spPr>
         <p:txBody>
           <a:bodyPr>
-            <a:normAutofit fontScale="92500" lnSpcReduction="20000"/>
+            <a:normAutofit fontScale="85000" lnSpcReduction="20000"/>
           </a:bodyPr>
           <a:lstStyle/>
           <a:p>
@@ -7496,8 +7643,15 @@
             </a:r>
             <a:r>
               <a:rPr lang="zh-CN" altLang="en-US" dirty="0" smtClean="0"/>
-              <a:t>仓库创建</a:t>
-            </a:r>
+              <a:t>仓库</a:t>
+            </a:r>
+            <a:r>
+              <a:rPr lang="zh-CN" altLang="en-US" dirty="0" smtClean="0"/>
+              <a:t>创建</a:t>
+            </a:r>
+            <a:endParaRPr lang="en-US" altLang="zh-CN" dirty="0" smtClean="0"/>
+          </a:p>
+          <a:p>
             <a:endParaRPr lang="en-US" altLang="zh-CN" dirty="0" smtClean="0"/>
           </a:p>
           <a:p>
@@ -7579,8 +7733,15 @@
             </a:r>
             <a:r>
               <a:rPr lang="zh-CN" altLang="en-US" dirty="0" smtClean="0"/>
-              <a:t>检查当前文件状态</a:t>
-            </a:r>
+              <a:t>检查当前文件</a:t>
+            </a:r>
+            <a:r>
+              <a:rPr lang="zh-CN" altLang="en-US" dirty="0" smtClean="0"/>
+              <a:t>状态</a:t>
+            </a:r>
+            <a:endParaRPr lang="en-US" altLang="zh-CN" dirty="0" smtClean="0"/>
+          </a:p>
+          <a:p>
             <a:endParaRPr lang="en-US" altLang="zh-CN" dirty="0" smtClean="0"/>
           </a:p>
           <a:p>
@@ -7591,8 +7752,16 @@
             </a:r>
             <a:r>
               <a:rPr lang="en-US" altLang="zh-CN" dirty="0" smtClean="0"/>
-              <a:t> status</a:t>
-            </a:r>
+              <a:t> </a:t>
+            </a:r>
+            <a:r>
+              <a:rPr lang="en-US" altLang="zh-CN" dirty="0" smtClean="0"/>
+              <a:t>status</a:t>
+            </a:r>
+          </a:p>
+          <a:p>
+            <a:pPr lvl="1"/>
+            <a:endParaRPr lang="en-US" altLang="zh-CN" dirty="0" smtClean="0"/>
           </a:p>
           <a:p>
             <a:pPr lvl="1"/>
@@ -7615,7 +7784,7 @@
             <a:endParaRPr lang="en-US" altLang="zh-CN" dirty="0"/>
           </a:p>
           <a:p>
-            <a:pPr lvl="1"/>
+            <a:pPr lvl="2"/>
             <a:r>
               <a:rPr lang="zh-CN" altLang="en-US" dirty="0" smtClean="0"/>
               <a:t>？？：未被跟踪</a:t>
@@ -7623,7 +7792,7 @@
             <a:endParaRPr lang="en-US" altLang="zh-CN" dirty="0" smtClean="0"/>
           </a:p>
           <a:p>
-            <a:pPr lvl="1"/>
+            <a:pPr lvl="2"/>
             <a:r>
               <a:rPr lang="zh-CN" altLang="en-US" dirty="0" smtClean="0"/>
               <a:t>左</a:t>
@@ -7639,7 +7808,7 @@
             <a:endParaRPr lang="en-US" altLang="zh-CN" dirty="0" smtClean="0"/>
           </a:p>
           <a:p>
-            <a:pPr lvl="1"/>
+            <a:pPr lvl="2"/>
             <a:r>
               <a:rPr lang="zh-CN" altLang="en-US" dirty="0" smtClean="0"/>
               <a:t>右边</a:t>
@@ -7655,7 +7824,7 @@
             <a:endParaRPr lang="en-US" altLang="zh-CN" dirty="0" smtClean="0"/>
           </a:p>
           <a:p>
-            <a:pPr lvl="1"/>
+            <a:pPr lvl="2"/>
             <a:r>
               <a:rPr lang="en-US" altLang="zh-CN" dirty="0" smtClean="0"/>
               <a:t>A</a:t>
@@ -7947,7 +8116,7 @@
             </a:r>
             <a:r>
               <a:rPr lang="zh-CN" altLang="en-US" dirty="0" smtClean="0"/>
-              <a:t>删除</a:t>
+              <a:t>删除文件</a:t>
             </a:r>
             <a:endParaRPr lang="en-US" altLang="zh-CN" dirty="0" smtClean="0"/>
           </a:p>
@@ -8173,11 +8342,7 @@
             </a:r>
             <a:r>
               <a:rPr lang="en-US" altLang="zh-CN" dirty="0" smtClean="0"/>
-              <a:t> tag </a:t>
-            </a:r>
-            <a:r>
-              <a:rPr lang="en-US" altLang="zh-CN" dirty="0" smtClean="0"/>
-              <a:t>-a </a:t>
+              <a:t> tag -a </a:t>
             </a:r>
             <a:r>
               <a:rPr lang="en-US" altLang="zh-CN" dirty="0" err="1" smtClean="0"/>
@@ -8185,11 +8350,7 @@
             </a:r>
             <a:r>
               <a:rPr lang="en-US" altLang="zh-CN" dirty="0" smtClean="0"/>
-              <a:t> </a:t>
-            </a:r>
-            <a:r>
-              <a:rPr lang="en-US" altLang="zh-CN" dirty="0" smtClean="0"/>
-              <a:t>-m </a:t>
+              <a:t> -m </a:t>
             </a:r>
             <a:r>
               <a:rPr lang="zh-CN" altLang="en-US" dirty="0" smtClean="0"/>
@@ -8265,11 +8426,7 @@
             </a:r>
             <a:r>
               <a:rPr lang="en-US" altLang="zh-CN" dirty="0" smtClean="0"/>
-              <a:t> push </a:t>
-            </a:r>
-            <a:r>
-              <a:rPr lang="en-US" altLang="zh-CN" dirty="0" smtClean="0"/>
-              <a:t>origin --tags</a:t>
+              <a:t> push origin --tags</a:t>
             </a:r>
             <a:r>
               <a:rPr lang="zh-CN" altLang="en-US" dirty="0" smtClean="0"/>
@@ -8297,11 +8454,7 @@
             </a:r>
             <a:r>
               <a:rPr lang="en-US" altLang="zh-CN" dirty="0" smtClean="0"/>
-              <a:t> checkout </a:t>
-            </a:r>
-            <a:r>
-              <a:rPr lang="en-US" altLang="zh-CN" dirty="0" smtClean="0"/>
-              <a:t>-b </a:t>
+              <a:t> checkout -b </a:t>
             </a:r>
             <a:r>
               <a:rPr lang="en-US" altLang="zh-CN" dirty="0" err="1" smtClean="0"/>
@@ -8337,11 +8490,7 @@
             </a:r>
             <a:r>
               <a:rPr lang="en-US" altLang="zh-CN" dirty="0" smtClean="0"/>
-              <a:t> tag </a:t>
-            </a:r>
-            <a:r>
-              <a:rPr lang="en-US" altLang="zh-CN" dirty="0" smtClean="0"/>
-              <a:t>-d </a:t>
+              <a:t> tag -d </a:t>
             </a:r>
             <a:r>
               <a:rPr lang="en-US" altLang="zh-CN" dirty="0" err="1" smtClean="0"/>

--- a/git使用详解/git.pptx
+++ b/git使用详解/git.pptx
@@ -9,8 +9,8 @@
     <p:sldId id="257" r:id="rId3"/>
     <p:sldId id="258" r:id="rId4"/>
     <p:sldId id="259" r:id="rId5"/>
-    <p:sldId id="260" r:id="rId6"/>
-    <p:sldId id="261" r:id="rId7"/>
+    <p:sldId id="261" r:id="rId6"/>
+    <p:sldId id="260" r:id="rId7"/>
     <p:sldId id="262" r:id="rId8"/>
     <p:sldId id="263" r:id="rId9"/>
     <p:sldId id="267" r:id="rId10"/>
@@ -22,6 +22,8 @@
     <p:sldId id="270" r:id="rId16"/>
     <p:sldId id="271" r:id="rId17"/>
     <p:sldId id="272" r:id="rId18"/>
+    <p:sldId id="273" r:id="rId19"/>
+    <p:sldId id="274" r:id="rId20"/>
   </p:sldIdLst>
   <p:sldSz cx="12192000" cy="6858000"/>
   <p:notesSz cx="6858000" cy="9144000"/>
@@ -259,7 +261,7 @@
           <a:p>
             <a:fld id="{293A34E6-EC3D-4813-B09A-C0EDABDFCF70}" type="datetimeFigureOut">
               <a:rPr lang="zh-CN" altLang="en-US" smtClean="0"/>
-              <a:t>2018/9/6</a:t>
+              <a:t>2018/9/13</a:t>
             </a:fld>
             <a:endParaRPr lang="zh-CN" altLang="en-US"/>
           </a:p>
@@ -429,7 +431,7 @@
           <a:p>
             <a:fld id="{293A34E6-EC3D-4813-B09A-C0EDABDFCF70}" type="datetimeFigureOut">
               <a:rPr lang="zh-CN" altLang="en-US" smtClean="0"/>
-              <a:t>2018/9/6</a:t>
+              <a:t>2018/9/13</a:t>
             </a:fld>
             <a:endParaRPr lang="zh-CN" altLang="en-US"/>
           </a:p>
@@ -609,7 +611,7 @@
           <a:p>
             <a:fld id="{293A34E6-EC3D-4813-B09A-C0EDABDFCF70}" type="datetimeFigureOut">
               <a:rPr lang="zh-CN" altLang="en-US" smtClean="0"/>
-              <a:t>2018/9/6</a:t>
+              <a:t>2018/9/13</a:t>
             </a:fld>
             <a:endParaRPr lang="zh-CN" altLang="en-US"/>
           </a:p>
@@ -779,7 +781,7 @@
           <a:p>
             <a:fld id="{293A34E6-EC3D-4813-B09A-C0EDABDFCF70}" type="datetimeFigureOut">
               <a:rPr lang="zh-CN" altLang="en-US" smtClean="0"/>
-              <a:t>2018/9/6</a:t>
+              <a:t>2018/9/13</a:t>
             </a:fld>
             <a:endParaRPr lang="zh-CN" altLang="en-US"/>
           </a:p>
@@ -1025,7 +1027,7 @@
           <a:p>
             <a:fld id="{293A34E6-EC3D-4813-B09A-C0EDABDFCF70}" type="datetimeFigureOut">
               <a:rPr lang="zh-CN" altLang="en-US" smtClean="0"/>
-              <a:t>2018/9/6</a:t>
+              <a:t>2018/9/13</a:t>
             </a:fld>
             <a:endParaRPr lang="zh-CN" altLang="en-US"/>
           </a:p>
@@ -1257,7 +1259,7 @@
           <a:p>
             <a:fld id="{293A34E6-EC3D-4813-B09A-C0EDABDFCF70}" type="datetimeFigureOut">
               <a:rPr lang="zh-CN" altLang="en-US" smtClean="0"/>
-              <a:t>2018/9/6</a:t>
+              <a:t>2018/9/13</a:t>
             </a:fld>
             <a:endParaRPr lang="zh-CN" altLang="en-US"/>
           </a:p>
@@ -1624,7 +1626,7 @@
           <a:p>
             <a:fld id="{293A34E6-EC3D-4813-B09A-C0EDABDFCF70}" type="datetimeFigureOut">
               <a:rPr lang="zh-CN" altLang="en-US" smtClean="0"/>
-              <a:t>2018/9/6</a:t>
+              <a:t>2018/9/13</a:t>
             </a:fld>
             <a:endParaRPr lang="zh-CN" altLang="en-US"/>
           </a:p>
@@ -1742,7 +1744,7 @@
           <a:p>
             <a:fld id="{293A34E6-EC3D-4813-B09A-C0EDABDFCF70}" type="datetimeFigureOut">
               <a:rPr lang="zh-CN" altLang="en-US" smtClean="0"/>
-              <a:t>2018/9/6</a:t>
+              <a:t>2018/9/13</a:t>
             </a:fld>
             <a:endParaRPr lang="zh-CN" altLang="en-US"/>
           </a:p>
@@ -1837,7 +1839,7 @@
           <a:p>
             <a:fld id="{293A34E6-EC3D-4813-B09A-C0EDABDFCF70}" type="datetimeFigureOut">
               <a:rPr lang="zh-CN" altLang="en-US" smtClean="0"/>
-              <a:t>2018/9/6</a:t>
+              <a:t>2018/9/13</a:t>
             </a:fld>
             <a:endParaRPr lang="zh-CN" altLang="en-US"/>
           </a:p>
@@ -2114,7 +2116,7 @@
           <a:p>
             <a:fld id="{293A34E6-EC3D-4813-B09A-C0EDABDFCF70}" type="datetimeFigureOut">
               <a:rPr lang="zh-CN" altLang="en-US" smtClean="0"/>
-              <a:t>2018/9/6</a:t>
+              <a:t>2018/9/13</a:t>
             </a:fld>
             <a:endParaRPr lang="zh-CN" altLang="en-US"/>
           </a:p>
@@ -2367,7 +2369,7 @@
           <a:p>
             <a:fld id="{293A34E6-EC3D-4813-B09A-C0EDABDFCF70}" type="datetimeFigureOut">
               <a:rPr lang="zh-CN" altLang="en-US" smtClean="0"/>
-              <a:t>2018/9/6</a:t>
+              <a:t>2018/9/13</a:t>
             </a:fld>
             <a:endParaRPr lang="zh-CN" altLang="en-US"/>
           </a:p>
@@ -2580,7 +2582,7 @@
           <a:p>
             <a:fld id="{293A34E6-EC3D-4813-B09A-C0EDABDFCF70}" type="datetimeFigureOut">
               <a:rPr lang="zh-CN" altLang="en-US" smtClean="0"/>
-              <a:t>2018/9/6</a:t>
+              <a:t>2018/9/13</a:t>
             </a:fld>
             <a:endParaRPr lang="zh-CN" altLang="en-US"/>
           </a:p>
@@ -3151,12 +3153,12 @@
         <p:spPr>
           <a:xfrm>
             <a:off x="444796" y="223284"/>
-            <a:ext cx="10515600" cy="3636335"/>
+            <a:ext cx="10515600" cy="3795823"/>
           </a:xfrm>
         </p:spPr>
         <p:txBody>
           <a:bodyPr>
-            <a:normAutofit fontScale="62500" lnSpcReduction="20000"/>
+            <a:normAutofit fontScale="47500" lnSpcReduction="20000"/>
           </a:bodyPr>
           <a:lstStyle/>
           <a:p>
@@ -3334,11 +3336,7 @@
             </a:r>
             <a:r>
               <a:rPr lang="zh-CN" altLang="en-US" dirty="0" smtClean="0"/>
-              <a:t>：指定特定的风格</a:t>
-            </a:r>
-            <a:r>
-              <a:rPr lang="zh-CN" altLang="en-US" dirty="0" smtClean="0"/>
-              <a:t>；</a:t>
+              <a:t>：指定特定的风格；</a:t>
             </a:r>
             <a:endParaRPr lang="en-US" altLang="zh-CN" dirty="0" smtClean="0"/>
           </a:p>
@@ -3373,6 +3371,71 @@
             <a:r>
               <a:rPr lang="zh-CN" altLang="en-US" dirty="0" smtClean="0"/>
               <a:t>：使用图形描述提交分支情况；</a:t>
+            </a:r>
+            <a:endParaRPr lang="en-US" altLang="zh-CN" dirty="0" smtClean="0"/>
+          </a:p>
+          <a:p>
+            <a:r>
+              <a:rPr lang="en-US" altLang="zh-CN" dirty="0" smtClean="0"/>
+              <a:t>.. : </a:t>
+            </a:r>
+            <a:r>
+              <a:rPr lang="zh-CN" altLang="en-US" dirty="0" smtClean="0"/>
+              <a:t>在一个分支，不在另一个分支里的提交；</a:t>
+            </a:r>
+            <a:endParaRPr lang="en-US" altLang="zh-CN" dirty="0" smtClean="0"/>
+          </a:p>
+          <a:p>
+            <a:r>
+              <a:rPr lang="zh-CN" altLang="en-US" dirty="0"/>
+              <a:t>前</a:t>
+            </a:r>
+            <a:r>
+              <a:rPr lang="zh-CN" altLang="en-US" dirty="0" smtClean="0"/>
+              <a:t>置</a:t>
+            </a:r>
+            <a:r>
+              <a:rPr lang="en-US" altLang="zh-CN" dirty="0" smtClean="0"/>
+              <a:t>^</a:t>
+            </a:r>
+            <a:r>
+              <a:rPr lang="zh-CN" altLang="en-US" dirty="0" smtClean="0"/>
+              <a:t>或</a:t>
+            </a:r>
+            <a:r>
+              <a:rPr lang="en-US" altLang="zh-CN" dirty="0" smtClean="0"/>
+              <a:t>—not</a:t>
+            </a:r>
+            <a:r>
+              <a:rPr lang="zh-CN" altLang="en-US" dirty="0" smtClean="0"/>
+              <a:t>不包含一个分支里的提交；</a:t>
+            </a:r>
+            <a:endParaRPr lang="en-US" altLang="zh-CN" dirty="0" smtClean="0"/>
+          </a:p>
+          <a:p>
+            <a:r>
+              <a:rPr lang="en-US" altLang="zh-CN" dirty="0" smtClean="0"/>
+              <a:t>…:</a:t>
+            </a:r>
+            <a:r>
+              <a:rPr lang="zh-CN" altLang="en-US" dirty="0" smtClean="0"/>
+              <a:t>不含</a:t>
+            </a:r>
+            <a:r>
+              <a:rPr lang="en-US" altLang="zh-CN" dirty="0" smtClean="0"/>
+              <a:t>a</a:t>
+            </a:r>
+            <a:r>
+              <a:rPr lang="zh-CN" altLang="en-US" dirty="0" smtClean="0"/>
+              <a:t>和</a:t>
+            </a:r>
+            <a:r>
+              <a:rPr lang="en-US" altLang="zh-CN" dirty="0" smtClean="0"/>
+              <a:t>b</a:t>
+            </a:r>
+            <a:r>
+              <a:rPr lang="zh-CN" altLang="en-US" dirty="0" smtClean="0"/>
+              <a:t>两个分支的公共提交</a:t>
             </a:r>
             <a:endParaRPr lang="en-US" altLang="zh-CN" dirty="0" smtClean="0"/>
           </a:p>
@@ -3579,11 +3642,7 @@
             <a:pPr lvl="1"/>
             <a:r>
               <a:rPr lang="en-US" altLang="zh-CN" dirty="0" smtClean="0"/>
-              <a:t>1</a:t>
-            </a:r>
-            <a:r>
-              <a:rPr lang="en-US" altLang="zh-CN" dirty="0" smtClean="0"/>
-              <a:t>.</a:t>
+              <a:t>1.</a:t>
             </a:r>
             <a:r>
               <a:rPr lang="zh-CN" altLang="en-US" dirty="0" smtClean="0"/>
@@ -3653,13 +3712,8 @@
             </a:r>
             <a:r>
               <a:rPr lang="en-US" altLang="zh-CN" dirty="0" smtClean="0"/>
-              <a:t> reset --soft </a:t>
-            </a:r>
-            <a:r>
-              <a:rPr lang="en-US" altLang="zh-CN" dirty="0" smtClean="0"/>
-              <a:t>HEAD~</a:t>
-            </a:r>
-            <a:endParaRPr lang="en-US" altLang="zh-CN" dirty="0" smtClean="0"/>
+              <a:t> reset --soft HEAD~</a:t>
+            </a:r>
           </a:p>
           <a:p>
             <a:pPr lvl="1"/>
@@ -5119,11 +5173,7 @@
           <a:p>
             <a:r>
               <a:rPr lang="en-US" altLang="zh-CN" dirty="0"/>
-              <a:t>	</a:t>
-            </a:r>
-            <a:r>
-              <a:rPr lang="en-US" altLang="zh-CN" dirty="0"/>
-              <a:t>3</a:t>
+              <a:t>	3</a:t>
             </a:r>
             <a:r>
               <a:rPr lang="en-US" altLang="zh-CN" dirty="0" smtClean="0"/>
@@ -5141,11 +5191,7 @@
           <a:p>
             <a:r>
               <a:rPr lang="en-US" altLang="zh-CN" dirty="0"/>
-              <a:t>	</a:t>
-            </a:r>
-            <a:r>
-              <a:rPr lang="en-US" altLang="zh-CN" dirty="0"/>
-              <a:t>4</a:t>
+              <a:t>	4</a:t>
             </a:r>
             <a:r>
               <a:rPr lang="en-US" altLang="zh-CN" dirty="0" smtClean="0"/>
@@ -5163,11 +5209,7 @@
           <a:p>
             <a:r>
               <a:rPr lang="en-US" altLang="zh-CN" dirty="0" smtClean="0"/>
-              <a:t>	</a:t>
-            </a:r>
-            <a:r>
-              <a:rPr lang="en-US" altLang="zh-CN" dirty="0" smtClean="0"/>
-              <a:t>5) </a:t>
+              <a:t>	5) </a:t>
             </a:r>
             <a:r>
               <a:rPr lang="en-US" altLang="zh-CN" dirty="0" err="1" smtClean="0"/>
@@ -5480,29 +5522,10 @@
               <a:t>	</a:t>
             </a:r>
             <a:r>
-              <a:rPr lang="en-US" altLang="zh-CN" dirty="0" err="1" smtClean="0"/>
-              <a:t>git</a:t>
-            </a:r>
-            <a:r>
-              <a:rPr lang="en-US" altLang="zh-CN" dirty="0" smtClean="0"/>
-              <a:t> </a:t>
-            </a:r>
-            <a:r>
-              <a:rPr lang="en-US" altLang="zh-CN" dirty="0" err="1" smtClean="0"/>
-              <a:t>config</a:t>
-            </a:r>
-            <a:r>
-              <a:rPr lang="en-US" altLang="zh-CN" dirty="0" smtClean="0"/>
-              <a:t> --global  </a:t>
-            </a:r>
-            <a:r>
-              <a:rPr lang="en-US" altLang="zh-CN" dirty="0" err="1" smtClean="0"/>
-              <a:t>credential.helper</a:t>
-            </a:r>
-            <a:r>
-              <a:rPr lang="en-US" altLang="zh-CN" dirty="0" smtClean="0"/>
-              <a:t> store</a:t>
-            </a:r>
+              <a:rPr lang="zh-CN" altLang="en-US" dirty="0" smtClean="0"/>
+              <a:t>详情见第九章</a:t>
+            </a:r>
+            <a:endParaRPr lang="en-US" altLang="zh-CN" dirty="0" smtClean="0"/>
           </a:p>
           <a:p>
             <a:endParaRPr lang="en-US" altLang="zh-CN" dirty="0" smtClean="0"/>
@@ -5536,7 +5559,7 @@
             </a:r>
             <a:r>
               <a:rPr lang="en-US" altLang="zh-CN" dirty="0" smtClean="0"/>
-              <a:t>cd ~/.</a:t>
+              <a:t>cat  ~/.</a:t>
             </a:r>
             <a:r>
               <a:rPr lang="en-US" altLang="zh-CN" dirty="0" err="1" smtClean="0"/>
@@ -5558,11 +5581,15 @@
             </a:r>
             <a:r>
               <a:rPr lang="zh-CN" altLang="en-US" dirty="0" smtClean="0"/>
-              <a:t>）如果没有则创建： </a:t>
-            </a:r>
-            <a:r>
-              <a:rPr lang="en-US" altLang="zh-CN" dirty="0" err="1" smtClean="0"/>
-              <a:t>ssh-keygen</a:t>
+              <a:t>）如果没有则创建：</a:t>
+            </a:r>
+            <a:r>
+              <a:rPr lang="de-DE" altLang="zh-CN" dirty="0" smtClean="0"/>
+              <a:t>ssh-keygen </a:t>
+            </a:r>
+            <a:r>
+              <a:rPr lang="de-DE" altLang="zh-CN" dirty="0"/>
+              <a:t>-t rsa -C "liupp@2345.com"</a:t>
             </a:r>
             <a:r>
               <a:rPr lang="en-US" altLang="zh-CN" dirty="0" smtClean="0"/>
@@ -5772,6 +5799,745 @@
 </p:sld>
 </file>
 
+<file path=ppt/slides/slide18.xml><?xml version="1.0" encoding="utf-8"?>
+<p:sld xmlns:a="http://schemas.openxmlformats.org/drawingml/2006/main" xmlns:r="http://schemas.openxmlformats.org/officeDocument/2006/relationships" xmlns:p="http://schemas.openxmlformats.org/presentationml/2006/main">
+  <p:cSld>
+    <p:spTree>
+      <p:nvGrpSpPr>
+        <p:cNvPr id="1" name=""/>
+        <p:cNvGrpSpPr/>
+        <p:nvPr/>
+      </p:nvGrpSpPr>
+      <p:grpSpPr>
+        <a:xfrm>
+          <a:off x="0" y="0"/>
+          <a:ext cx="0" cy="0"/>
+          <a:chOff x="0" y="0"/>
+          <a:chExt cx="0" cy="0"/>
+        </a:xfrm>
+      </p:grpSpPr>
+      <p:sp>
+        <p:nvSpPr>
+          <p:cNvPr id="2" name="文本框 1"/>
+          <p:cNvSpPr txBox="1"/>
+          <p:nvPr/>
+        </p:nvSpPr>
+        <p:spPr>
+          <a:xfrm>
+            <a:off x="489097" y="-24073"/>
+            <a:ext cx="11291777" cy="369332"/>
+          </a:xfrm>
+          <a:prstGeom prst="rect">
+            <a:avLst/>
+          </a:prstGeom>
+          <a:noFill/>
+        </p:spPr>
+        <p:txBody>
+          <a:bodyPr wrap="square" rtlCol="0">
+            <a:spAutoFit/>
+          </a:bodyPr>
+          <a:lstStyle/>
+          <a:p>
+            <a:pPr algn="ctr"/>
+            <a:r>
+              <a:rPr lang="en-US" altLang="zh-CN" dirty="0" smtClean="0"/>
+              <a:t>9. </a:t>
+            </a:r>
+            <a:r>
+              <a:rPr lang="en-US" altLang="zh-CN" dirty="0" err="1" smtClean="0"/>
+              <a:t>Git</a:t>
+            </a:r>
+            <a:r>
+              <a:rPr lang="zh-CN" altLang="en-US" dirty="0"/>
+              <a:t>实用</a:t>
+            </a:r>
+            <a:r>
+              <a:rPr lang="zh-CN" altLang="en-US" dirty="0" smtClean="0"/>
+              <a:t>工具及命令</a:t>
+            </a:r>
+            <a:endParaRPr lang="zh-CN" altLang="en-US" dirty="0"/>
+          </a:p>
+        </p:txBody>
+      </p:sp>
+      <p:sp>
+        <p:nvSpPr>
+          <p:cNvPr id="3" name="文本框 2"/>
+          <p:cNvSpPr txBox="1"/>
+          <p:nvPr/>
+        </p:nvSpPr>
+        <p:spPr>
+          <a:xfrm>
+            <a:off x="435934" y="664235"/>
+            <a:ext cx="11398102" cy="6740307"/>
+          </a:xfrm>
+          <a:prstGeom prst="rect">
+            <a:avLst/>
+          </a:prstGeom>
+          <a:noFill/>
+        </p:spPr>
+        <p:txBody>
+          <a:bodyPr wrap="square" rtlCol="0">
+            <a:spAutoFit/>
+          </a:bodyPr>
+          <a:lstStyle/>
+          <a:p>
+            <a:r>
+              <a:rPr lang="en-US" altLang="zh-CN" dirty="0" smtClean="0"/>
+              <a:t>9.1. </a:t>
+            </a:r>
+            <a:r>
+              <a:rPr lang="zh-CN" altLang="en-US" dirty="0"/>
+              <a:t>修改上一次</a:t>
+            </a:r>
+            <a:r>
+              <a:rPr lang="zh-CN" altLang="en-US" dirty="0" smtClean="0"/>
+              <a:t>提交</a:t>
+            </a:r>
+            <a:endParaRPr lang="en-US" altLang="zh-CN" dirty="0" smtClean="0"/>
+          </a:p>
+          <a:p>
+            <a:endParaRPr lang="en-US" altLang="zh-CN" dirty="0"/>
+          </a:p>
+          <a:p>
+            <a:r>
+              <a:rPr lang="en-US" altLang="zh-CN" dirty="0" smtClean="0"/>
+              <a:t>   </a:t>
+            </a:r>
+            <a:r>
+              <a:rPr lang="en-US" altLang="zh-CN" dirty="0" err="1" smtClean="0"/>
+              <a:t>git</a:t>
+            </a:r>
+            <a:r>
+              <a:rPr lang="en-US" altLang="zh-CN" dirty="0" smtClean="0"/>
+              <a:t> </a:t>
+            </a:r>
+            <a:r>
+              <a:rPr lang="en-US" altLang="zh-CN" dirty="0"/>
+              <a:t>commit --amend –m ’notice</a:t>
+            </a:r>
+            <a:r>
+              <a:rPr lang="en-US" altLang="zh-CN" dirty="0" smtClean="0"/>
+              <a:t>’</a:t>
+            </a:r>
+          </a:p>
+          <a:p>
+            <a:endParaRPr lang="en-US" altLang="zh-CN" dirty="0" smtClean="0"/>
+          </a:p>
+          <a:p>
+            <a:r>
+              <a:rPr lang="en-US" altLang="zh-CN" dirty="0" smtClean="0"/>
+              <a:t>9.2 </a:t>
+            </a:r>
+            <a:r>
+              <a:rPr lang="zh-CN" altLang="en-US" dirty="0" smtClean="0"/>
+              <a:t>变基</a:t>
+            </a:r>
+            <a:endParaRPr lang="en-US" altLang="zh-CN" dirty="0" smtClean="0"/>
+          </a:p>
+          <a:p>
+            <a:endParaRPr lang="en-US" altLang="zh-CN" dirty="0" smtClean="0"/>
+          </a:p>
+          <a:p>
+            <a:r>
+              <a:rPr lang="en-US" altLang="zh-CN" dirty="0" smtClean="0"/>
+              <a:t>    </a:t>
+            </a:r>
+            <a:r>
+              <a:rPr lang="en-US" altLang="zh-CN" dirty="0" err="1" smtClean="0"/>
+              <a:t>git</a:t>
+            </a:r>
+            <a:r>
+              <a:rPr lang="en-US" altLang="zh-CN" dirty="0" smtClean="0"/>
+              <a:t> rebase </a:t>
+            </a:r>
+          </a:p>
+          <a:p>
+            <a:endParaRPr lang="en-US" altLang="zh-CN" dirty="0" smtClean="0"/>
+          </a:p>
+          <a:p>
+            <a:r>
+              <a:rPr lang="en-US" altLang="zh-CN" dirty="0" smtClean="0"/>
+              <a:t>9.3 </a:t>
+            </a:r>
+            <a:r>
+              <a:rPr lang="zh-CN" altLang="en-US" dirty="0"/>
+              <a:t>存储</a:t>
+            </a:r>
+            <a:r>
+              <a:rPr lang="zh-CN" altLang="en-US" dirty="0" smtClean="0"/>
+              <a:t>修改</a:t>
+            </a:r>
+            <a:endParaRPr lang="en-US" altLang="zh-CN" dirty="0" smtClean="0"/>
+          </a:p>
+          <a:p>
+            <a:endParaRPr lang="en-US" altLang="zh-CN" dirty="0"/>
+          </a:p>
+          <a:p>
+            <a:r>
+              <a:rPr lang="en-US" altLang="zh-CN" dirty="0"/>
+              <a:t> </a:t>
+            </a:r>
+            <a:r>
+              <a:rPr lang="en-US" altLang="zh-CN" dirty="0" smtClean="0"/>
+              <a:t> </a:t>
+            </a:r>
+            <a:r>
+              <a:rPr lang="en-US" altLang="zh-CN" dirty="0" err="1" smtClean="0"/>
+              <a:t>git</a:t>
+            </a:r>
+            <a:r>
+              <a:rPr lang="en-US" altLang="zh-CN" dirty="0" smtClean="0"/>
+              <a:t> stash // </a:t>
+            </a:r>
+            <a:r>
+              <a:rPr lang="zh-CN" altLang="en-US" dirty="0" smtClean="0"/>
+              <a:t>存储修改</a:t>
+            </a:r>
+            <a:endParaRPr lang="en-US" altLang="zh-CN" dirty="0" smtClean="0"/>
+          </a:p>
+          <a:p>
+            <a:r>
+              <a:rPr lang="en-US" altLang="zh-CN" dirty="0"/>
+              <a:t> </a:t>
+            </a:r>
+            <a:r>
+              <a:rPr lang="en-US" altLang="zh-CN" dirty="0" smtClean="0"/>
+              <a:t> </a:t>
+            </a:r>
+            <a:r>
+              <a:rPr lang="en-US" altLang="zh-CN" dirty="0" err="1" smtClean="0"/>
+              <a:t>git</a:t>
+            </a:r>
+            <a:r>
+              <a:rPr lang="en-US" altLang="zh-CN" dirty="0" smtClean="0"/>
+              <a:t> stash list // </a:t>
+            </a:r>
+            <a:r>
+              <a:rPr lang="zh-CN" altLang="en-US" dirty="0" smtClean="0"/>
+              <a:t>查看存储列表</a:t>
+            </a:r>
+            <a:endParaRPr lang="en-US" altLang="zh-CN" dirty="0" smtClean="0"/>
+          </a:p>
+          <a:p>
+            <a:r>
+              <a:rPr lang="en-US" altLang="zh-CN" dirty="0" smtClean="0"/>
+              <a:t>  </a:t>
+            </a:r>
+            <a:r>
+              <a:rPr lang="en-US" altLang="zh-CN" dirty="0" err="1" smtClean="0"/>
+              <a:t>git</a:t>
+            </a:r>
+            <a:r>
+              <a:rPr lang="en-US" altLang="zh-CN" dirty="0" smtClean="0"/>
+              <a:t> stash apply // </a:t>
+            </a:r>
+            <a:r>
+              <a:rPr lang="zh-CN" altLang="en-US" dirty="0" smtClean="0"/>
+              <a:t>应用存储</a:t>
+            </a:r>
+            <a:endParaRPr lang="en-US" altLang="zh-CN" dirty="0" smtClean="0"/>
+          </a:p>
+          <a:p>
+            <a:r>
+              <a:rPr lang="en-US" altLang="zh-CN" dirty="0" smtClean="0"/>
+              <a:t>  </a:t>
+            </a:r>
+            <a:r>
+              <a:rPr lang="en-US" altLang="zh-CN" dirty="0" err="1" smtClean="0"/>
+              <a:t>git</a:t>
+            </a:r>
+            <a:r>
+              <a:rPr lang="en-US" altLang="zh-CN" dirty="0" smtClean="0"/>
+              <a:t> stash drop // </a:t>
+            </a:r>
+            <a:r>
+              <a:rPr lang="zh-CN" altLang="en-US" dirty="0" smtClean="0"/>
+              <a:t>删除存储</a:t>
+            </a:r>
+            <a:endParaRPr lang="en-US" altLang="zh-CN" dirty="0" smtClean="0"/>
+          </a:p>
+          <a:p>
+            <a:r>
+              <a:rPr lang="en-US" altLang="zh-CN" dirty="0" smtClean="0"/>
+              <a:t>  </a:t>
+            </a:r>
+            <a:r>
+              <a:rPr lang="en-US" altLang="zh-CN" dirty="0" err="1" smtClean="0"/>
+              <a:t>git</a:t>
+            </a:r>
+            <a:r>
+              <a:rPr lang="en-US" altLang="zh-CN" dirty="0" smtClean="0"/>
+              <a:t> stash pop // </a:t>
+            </a:r>
+            <a:r>
+              <a:rPr lang="zh-CN" altLang="en-US" dirty="0" smtClean="0"/>
+              <a:t>应用最后一次储藏并删除存储</a:t>
+            </a:r>
+            <a:endParaRPr lang="en-US" altLang="zh-CN" dirty="0" smtClean="0"/>
+          </a:p>
+          <a:p>
+            <a:r>
+              <a:rPr lang="en-US" altLang="zh-CN" dirty="0"/>
+              <a:t> </a:t>
+            </a:r>
+            <a:r>
+              <a:rPr lang="en-US" altLang="zh-CN" dirty="0" smtClean="0"/>
+              <a:t> </a:t>
+            </a:r>
+            <a:r>
+              <a:rPr lang="en-US" altLang="zh-CN" dirty="0" err="1" smtClean="0"/>
+              <a:t>git</a:t>
+            </a:r>
+            <a:r>
+              <a:rPr lang="en-US" altLang="zh-CN" dirty="0" smtClean="0"/>
+              <a:t> stash branch name // </a:t>
+            </a:r>
+            <a:r>
+              <a:rPr lang="zh-CN" altLang="en-US" dirty="0"/>
+              <a:t>从</a:t>
+            </a:r>
+            <a:r>
+              <a:rPr lang="zh-CN" altLang="en-US" dirty="0" smtClean="0"/>
+              <a:t>当前提交创建分支，将存储应用到该分支，删除存储</a:t>
+            </a:r>
+            <a:endParaRPr lang="en-US" altLang="zh-CN" dirty="0"/>
+          </a:p>
+          <a:p>
+            <a:endParaRPr lang="en-US" altLang="zh-CN" dirty="0" smtClean="0"/>
+          </a:p>
+          <a:p>
+            <a:r>
+              <a:rPr lang="en-US" altLang="zh-CN" dirty="0" smtClean="0"/>
+              <a:t>9.4. </a:t>
+            </a:r>
+            <a:r>
+              <a:rPr lang="zh-CN" altLang="en-US" dirty="0" smtClean="0"/>
+              <a:t>文件标注</a:t>
+            </a:r>
+            <a:endParaRPr lang="en-US" altLang="zh-CN" dirty="0" smtClean="0"/>
+          </a:p>
+          <a:p>
+            <a:endParaRPr lang="en-US" altLang="zh-CN" dirty="0" smtClean="0"/>
+          </a:p>
+          <a:p>
+            <a:r>
+              <a:rPr lang="en-US" altLang="zh-CN" dirty="0"/>
+              <a:t> </a:t>
+            </a:r>
+            <a:r>
+              <a:rPr lang="en-US" altLang="zh-CN" dirty="0" smtClean="0"/>
+              <a:t>  </a:t>
+            </a:r>
+            <a:r>
+              <a:rPr lang="en-US" altLang="zh-CN" dirty="0" err="1" smtClean="0"/>
+              <a:t>git</a:t>
+            </a:r>
+            <a:r>
+              <a:rPr lang="en-US" altLang="zh-CN" dirty="0" smtClean="0"/>
+              <a:t> blame file</a:t>
+            </a:r>
+          </a:p>
+          <a:p>
+            <a:r>
+              <a:rPr lang="en-US" altLang="zh-CN" dirty="0" smtClean="0"/>
+              <a:t>   </a:t>
+            </a:r>
+            <a:r>
+              <a:rPr lang="zh-CN" altLang="en-US" dirty="0" smtClean="0"/>
+              <a:t>参数：</a:t>
+            </a:r>
+            <a:r>
+              <a:rPr lang="en-US" altLang="zh-CN" dirty="0" smtClean="0"/>
+              <a:t>-L // </a:t>
+            </a:r>
+            <a:r>
+              <a:rPr lang="zh-CN" altLang="en-US" dirty="0" smtClean="0"/>
+              <a:t>限制查看的行数</a:t>
+            </a:r>
+            <a:endParaRPr lang="en-US" altLang="zh-CN" dirty="0" smtClean="0"/>
+          </a:p>
+          <a:p>
+            <a:endParaRPr lang="en-US" altLang="zh-CN" dirty="0" smtClean="0"/>
+          </a:p>
+          <a:p>
+            <a:endParaRPr lang="en-US" altLang="zh-CN" dirty="0"/>
+          </a:p>
+          <a:p>
+            <a:endParaRPr lang="en-US" altLang="zh-CN" dirty="0" smtClean="0"/>
+          </a:p>
+        </p:txBody>
+      </p:sp>
+    </p:spTree>
+    <p:extLst>
+      <p:ext uri="{BB962C8B-B14F-4D97-AF65-F5344CB8AC3E}">
+        <p14:creationId xmlns:p14="http://schemas.microsoft.com/office/powerpoint/2010/main" val="3060380052"/>
+      </p:ext>
+    </p:extLst>
+  </p:cSld>
+  <p:clrMapOvr>
+    <a:masterClrMapping/>
+  </p:clrMapOvr>
+</p:sld>
+</file>
+
+<file path=ppt/slides/slide19.xml><?xml version="1.0" encoding="utf-8"?>
+<p:sld xmlns:a="http://schemas.openxmlformats.org/drawingml/2006/main" xmlns:r="http://schemas.openxmlformats.org/officeDocument/2006/relationships" xmlns:p="http://schemas.openxmlformats.org/presentationml/2006/main">
+  <p:cSld>
+    <p:spTree>
+      <p:nvGrpSpPr>
+        <p:cNvPr id="1" name=""/>
+        <p:cNvGrpSpPr/>
+        <p:nvPr/>
+      </p:nvGrpSpPr>
+      <p:grpSpPr>
+        <a:xfrm>
+          <a:off x="0" y="0"/>
+          <a:ext cx="0" cy="0"/>
+          <a:chOff x="0" y="0"/>
+          <a:chExt cx="0" cy="0"/>
+        </a:xfrm>
+      </p:grpSpPr>
+      <p:sp>
+        <p:nvSpPr>
+          <p:cNvPr id="2" name="文本框 1"/>
+          <p:cNvSpPr txBox="1"/>
+          <p:nvPr/>
+        </p:nvSpPr>
+        <p:spPr>
+          <a:xfrm>
+            <a:off x="861237" y="478465"/>
+            <a:ext cx="10558130" cy="7017306"/>
+          </a:xfrm>
+          <a:prstGeom prst="rect">
+            <a:avLst/>
+          </a:prstGeom>
+          <a:noFill/>
+        </p:spPr>
+        <p:txBody>
+          <a:bodyPr wrap="square" rtlCol="0">
+            <a:spAutoFit/>
+          </a:bodyPr>
+          <a:lstStyle/>
+          <a:p>
+            <a:r>
+              <a:rPr lang="en-US" altLang="zh-CN" dirty="0"/>
+              <a:t>9.5 </a:t>
+            </a:r>
+            <a:r>
+              <a:rPr lang="zh-CN" altLang="en-US" dirty="0"/>
+              <a:t>二分</a:t>
+            </a:r>
+            <a:r>
+              <a:rPr lang="zh-CN" altLang="en-US" dirty="0" smtClean="0"/>
+              <a:t>查找</a:t>
+            </a:r>
+            <a:endParaRPr lang="en-US" altLang="zh-CN" dirty="0" smtClean="0"/>
+          </a:p>
+          <a:p>
+            <a:endParaRPr lang="en-US" altLang="zh-CN" dirty="0"/>
+          </a:p>
+          <a:p>
+            <a:r>
+              <a:rPr lang="en-US" altLang="zh-CN" dirty="0"/>
+              <a:t>    </a:t>
+            </a:r>
+            <a:r>
+              <a:rPr lang="en-US" altLang="zh-CN" dirty="0" err="1"/>
+              <a:t>git</a:t>
+            </a:r>
+            <a:r>
+              <a:rPr lang="en-US" altLang="zh-CN" dirty="0"/>
+              <a:t> bisect  </a:t>
+            </a:r>
+            <a:r>
+              <a:rPr lang="en-US" altLang="zh-CN" dirty="0" smtClean="0"/>
+              <a:t>start // </a:t>
+            </a:r>
+            <a:r>
+              <a:rPr lang="zh-CN" altLang="en-US" dirty="0" smtClean="0"/>
+              <a:t>启用查找</a:t>
+            </a:r>
+            <a:endParaRPr lang="en-US" altLang="zh-CN" dirty="0"/>
+          </a:p>
+          <a:p>
+            <a:r>
+              <a:rPr lang="en-US" altLang="zh-CN" dirty="0"/>
+              <a:t>    </a:t>
+            </a:r>
+            <a:r>
+              <a:rPr lang="en-US" altLang="zh-CN" dirty="0" err="1"/>
+              <a:t>git</a:t>
+            </a:r>
+            <a:r>
+              <a:rPr lang="en-US" altLang="zh-CN" dirty="0"/>
+              <a:t> bisect </a:t>
+            </a:r>
+            <a:r>
+              <a:rPr lang="en-US" altLang="zh-CN" dirty="0" smtClean="0"/>
+              <a:t>good // </a:t>
+            </a:r>
+            <a:r>
+              <a:rPr lang="zh-CN" altLang="en-US" dirty="0" smtClean="0"/>
+              <a:t>标记正确提交</a:t>
+            </a:r>
+            <a:endParaRPr lang="en-US" altLang="zh-CN" dirty="0"/>
+          </a:p>
+          <a:p>
+            <a:r>
+              <a:rPr lang="en-US" altLang="zh-CN" dirty="0"/>
+              <a:t>    </a:t>
+            </a:r>
+            <a:r>
+              <a:rPr lang="en-US" altLang="zh-CN" dirty="0" err="1"/>
+              <a:t>git</a:t>
+            </a:r>
+            <a:r>
+              <a:rPr lang="en-US" altLang="zh-CN" dirty="0"/>
+              <a:t> bisect </a:t>
+            </a:r>
+            <a:r>
+              <a:rPr lang="en-US" altLang="zh-CN" dirty="0" smtClean="0"/>
+              <a:t>bad  // </a:t>
+            </a:r>
+            <a:r>
+              <a:rPr lang="zh-CN" altLang="en-US" dirty="0" smtClean="0"/>
+              <a:t>标记错误提交</a:t>
+            </a:r>
+            <a:endParaRPr lang="en-US" altLang="zh-CN" dirty="0"/>
+          </a:p>
+          <a:p>
+            <a:r>
+              <a:rPr lang="en-US" altLang="zh-CN" dirty="0"/>
+              <a:t>    </a:t>
+            </a:r>
+            <a:r>
+              <a:rPr lang="en-US" altLang="zh-CN" dirty="0" err="1"/>
+              <a:t>git</a:t>
+            </a:r>
+            <a:r>
+              <a:rPr lang="en-US" altLang="zh-CN" dirty="0"/>
+              <a:t> bisect </a:t>
+            </a:r>
+            <a:r>
+              <a:rPr lang="en-US" altLang="zh-CN" dirty="0" smtClean="0"/>
+              <a:t>reset // </a:t>
+            </a:r>
+            <a:r>
+              <a:rPr lang="zh-CN" altLang="en-US" dirty="0" smtClean="0"/>
+              <a:t>关闭</a:t>
+            </a:r>
+            <a:r>
+              <a:rPr lang="zh-CN" altLang="en-US" dirty="0" smtClean="0"/>
+              <a:t>查找</a:t>
+            </a:r>
+            <a:endParaRPr lang="en-US" altLang="zh-CN" dirty="0" smtClean="0"/>
+          </a:p>
+          <a:p>
+            <a:endParaRPr lang="en-US" altLang="zh-CN" dirty="0" smtClean="0"/>
+          </a:p>
+          <a:p>
+            <a:r>
+              <a:rPr lang="en-US" altLang="zh-CN" dirty="0" smtClean="0"/>
+              <a:t>9.6 </a:t>
+            </a:r>
+            <a:r>
+              <a:rPr lang="zh-CN" altLang="en-US" dirty="0"/>
+              <a:t>搜索</a:t>
+            </a:r>
+            <a:endParaRPr lang="en-US" altLang="zh-CN" dirty="0"/>
+          </a:p>
+          <a:p>
+            <a:r>
+              <a:rPr lang="en-US" altLang="zh-CN" dirty="0"/>
+              <a:t>    </a:t>
+            </a:r>
+            <a:r>
+              <a:rPr lang="en-US" altLang="zh-CN" dirty="0" err="1"/>
+              <a:t>git</a:t>
+            </a:r>
+            <a:r>
+              <a:rPr lang="en-US" altLang="zh-CN" dirty="0"/>
+              <a:t> </a:t>
+            </a:r>
+            <a:r>
+              <a:rPr lang="en-US" altLang="zh-CN" dirty="0" err="1"/>
+              <a:t>grep</a:t>
+            </a:r>
+            <a:endParaRPr lang="en-US" altLang="zh-CN" dirty="0"/>
+          </a:p>
+          <a:p>
+            <a:endParaRPr lang="en-US" altLang="zh-CN" dirty="0" smtClean="0"/>
+          </a:p>
+          <a:p>
+            <a:endParaRPr lang="en-US" altLang="zh-CN" dirty="0"/>
+          </a:p>
+          <a:p>
+            <a:r>
+              <a:rPr lang="en-US" altLang="zh-CN" dirty="0" smtClean="0"/>
+              <a:t>9.7  </a:t>
+            </a:r>
+            <a:r>
+              <a:rPr lang="zh-CN" altLang="en-US" dirty="0" smtClean="0"/>
+              <a:t>凭证存储</a:t>
+            </a:r>
+            <a:endParaRPr lang="en-US" altLang="zh-CN" dirty="0" smtClean="0"/>
+          </a:p>
+          <a:p>
+            <a:endParaRPr lang="en-US" altLang="zh-CN" dirty="0" smtClean="0"/>
+          </a:p>
+          <a:p>
+            <a:r>
+              <a:rPr lang="en-US" altLang="zh-CN" dirty="0"/>
+              <a:t> </a:t>
+            </a:r>
+            <a:r>
+              <a:rPr lang="en-US" altLang="zh-CN" dirty="0" smtClean="0"/>
+              <a:t> </a:t>
+            </a:r>
+            <a:r>
+              <a:rPr lang="en-US" altLang="zh-CN" dirty="0" err="1" smtClean="0"/>
+              <a:t>git</a:t>
+            </a:r>
+            <a:r>
+              <a:rPr lang="en-US" altLang="zh-CN" dirty="0" smtClean="0"/>
+              <a:t> </a:t>
+            </a:r>
+            <a:r>
+              <a:rPr lang="en-US" altLang="zh-CN" dirty="0" err="1" smtClean="0"/>
+              <a:t>cofig</a:t>
+            </a:r>
+            <a:r>
+              <a:rPr lang="en-US" altLang="zh-CN" dirty="0" smtClean="0"/>
+              <a:t> --global </a:t>
+            </a:r>
+            <a:r>
+              <a:rPr lang="en-US" altLang="zh-CN" dirty="0" err="1" smtClean="0"/>
+              <a:t>credential.helper</a:t>
+            </a:r>
+            <a:r>
+              <a:rPr lang="en-US" altLang="zh-CN" dirty="0" smtClean="0"/>
+              <a:t> store</a:t>
+            </a:r>
+          </a:p>
+          <a:p>
+            <a:endParaRPr lang="en-US" altLang="zh-CN" dirty="0"/>
+          </a:p>
+          <a:p>
+            <a:r>
+              <a:rPr lang="en-US" altLang="zh-CN" dirty="0" smtClean="0"/>
+              <a:t>9.8 </a:t>
+            </a:r>
+            <a:r>
+              <a:rPr lang="zh-CN" altLang="en-US" dirty="0" smtClean="0"/>
+              <a:t>清理工作目录</a:t>
+            </a:r>
+            <a:endParaRPr lang="en-US" altLang="zh-CN" dirty="0" smtClean="0"/>
+          </a:p>
+          <a:p>
+            <a:endParaRPr lang="en-US" altLang="zh-CN" dirty="0" smtClean="0"/>
+          </a:p>
+          <a:p>
+            <a:r>
+              <a:rPr lang="en-US" altLang="zh-CN" dirty="0" smtClean="0"/>
+              <a:t>   </a:t>
+            </a:r>
+            <a:r>
+              <a:rPr lang="en-US" altLang="zh-CN" dirty="0" err="1" smtClean="0"/>
+              <a:t>git</a:t>
+            </a:r>
+            <a:r>
+              <a:rPr lang="en-US" altLang="zh-CN" dirty="0" smtClean="0"/>
+              <a:t> clean</a:t>
+            </a:r>
+          </a:p>
+          <a:p>
+            <a:endParaRPr lang="en-US" altLang="zh-CN" dirty="0" smtClean="0"/>
+          </a:p>
+          <a:p>
+            <a:r>
+              <a:rPr lang="zh-CN" altLang="en-US" dirty="0" smtClean="0"/>
+              <a:t>  参数：</a:t>
+            </a:r>
+            <a:endParaRPr lang="en-US" altLang="zh-CN" dirty="0" smtClean="0"/>
+          </a:p>
+          <a:p>
+            <a:r>
+              <a:rPr lang="en-US" altLang="zh-CN" dirty="0"/>
+              <a:t> </a:t>
+            </a:r>
+            <a:r>
+              <a:rPr lang="en-US" altLang="zh-CN" dirty="0" smtClean="0"/>
+              <a:t>     -d  // </a:t>
+            </a:r>
+            <a:r>
+              <a:rPr lang="zh-CN" altLang="en-US" dirty="0" smtClean="0"/>
+              <a:t>移除未跟踪文件除了忽略的文件（默认）</a:t>
+            </a:r>
+            <a:endParaRPr lang="en-US" altLang="zh-CN" dirty="0" smtClean="0"/>
+          </a:p>
+          <a:p>
+            <a:r>
+              <a:rPr lang="en-US" altLang="zh-CN" dirty="0" smtClean="0"/>
+              <a:t>     </a:t>
+            </a:r>
+            <a:r>
+              <a:rPr lang="zh-CN" altLang="en-US" dirty="0" smtClean="0"/>
+              <a:t> </a:t>
+            </a:r>
+            <a:r>
+              <a:rPr lang="en-US" altLang="zh-CN" dirty="0"/>
+              <a:t>-</a:t>
+            </a:r>
+            <a:r>
+              <a:rPr lang="en-US" altLang="zh-CN" dirty="0" smtClean="0"/>
+              <a:t>x // </a:t>
+            </a:r>
+            <a:r>
+              <a:rPr lang="zh-CN" altLang="en-US" dirty="0"/>
+              <a:t>移</a:t>
+            </a:r>
+            <a:r>
+              <a:rPr lang="zh-CN" altLang="en-US" dirty="0" smtClean="0"/>
+              <a:t>除未跟踪文件包括忽略的文件</a:t>
+            </a:r>
+            <a:endParaRPr lang="en-US" altLang="zh-CN" dirty="0" smtClean="0"/>
+          </a:p>
+          <a:p>
+            <a:r>
+              <a:rPr lang="en-US" altLang="zh-CN" dirty="0" smtClean="0"/>
+              <a:t>      -n // </a:t>
+            </a:r>
+            <a:r>
+              <a:rPr lang="zh-CN" altLang="en-US" dirty="0" smtClean="0"/>
+              <a:t>查看将会移除哪些文件</a:t>
+            </a:r>
+            <a:endParaRPr lang="en-US" altLang="zh-CN" dirty="0" smtClean="0"/>
+          </a:p>
+          <a:p>
+            <a:endParaRPr lang="en-US" altLang="zh-CN" dirty="0" smtClean="0"/>
+          </a:p>
+          <a:p>
+            <a:r>
+              <a:rPr lang="en-US" altLang="zh-CN" dirty="0"/>
+              <a:t> </a:t>
+            </a:r>
+            <a:endParaRPr lang="zh-CN" altLang="en-US" dirty="0"/>
+          </a:p>
+        </p:txBody>
+      </p:sp>
+    </p:spTree>
+    <p:extLst>
+      <p:ext uri="{BB962C8B-B14F-4D97-AF65-F5344CB8AC3E}">
+        <p14:creationId xmlns:p14="http://schemas.microsoft.com/office/powerpoint/2010/main" val="1879860271"/>
+      </p:ext>
+    </p:extLst>
+  </p:cSld>
+  <p:clrMapOvr>
+    <a:masterClrMapping/>
+  </p:clrMapOvr>
+</p:sld>
+</file>
+
 <file path=ppt/slides/slide2.xml><?xml version="1.0" encoding="utf-8"?>
 <p:sld xmlns:a="http://schemas.openxmlformats.org/drawingml/2006/main" xmlns:r="http://schemas.openxmlformats.org/officeDocument/2006/relationships" xmlns:p="http://schemas.openxmlformats.org/presentationml/2006/main">
   <p:cSld>
@@ -5801,7 +6567,7 @@
         </p:nvSpPr>
         <p:spPr>
           <a:xfrm>
-            <a:off x="838200" y="634778"/>
+            <a:off x="838200" y="305169"/>
             <a:ext cx="10515600" cy="1190847"/>
           </a:xfrm>
         </p:spPr>
@@ -5837,10 +6603,15 @@
             <p:ph idx="1"/>
           </p:nvPr>
         </p:nvSpPr>
-        <p:spPr/>
+        <p:spPr>
+          <a:xfrm>
+            <a:off x="1127051" y="1169581"/>
+            <a:ext cx="10226749" cy="5092996"/>
+          </a:xfrm>
+        </p:spPr>
         <p:txBody>
           <a:bodyPr>
-            <a:normAutofit fontScale="62500" lnSpcReduction="20000"/>
+            <a:normAutofit fontScale="70000" lnSpcReduction="20000"/>
           </a:bodyPr>
           <a:lstStyle/>
           <a:p>
@@ -5854,10 +6625,10 @@
               <a:t>1.git</a:t>
             </a:r>
             <a:r>
-              <a:rPr lang="zh-CN" altLang="en-US" dirty="0"/>
+              <a:rPr lang="zh-CN" altLang="en-US" dirty="0" smtClean="0"/>
               <a:t>概述</a:t>
             </a:r>
-            <a:endParaRPr lang="en-US" altLang="zh-CN" dirty="0" smtClean="0"/>
+            <a:endParaRPr lang="en-US" altLang="zh-CN" dirty="0"/>
           </a:p>
           <a:p>
             <a:pPr>
@@ -5870,8 +6641,12 @@
               <a:t>2.git</a:t>
             </a:r>
             <a:r>
-              <a:rPr lang="zh-CN" altLang="en-US" dirty="0" smtClean="0"/>
-              <a:t>安装及基本配置</a:t>
+              <a:rPr lang="zh-CN" altLang="en-US" dirty="0"/>
+              <a:t>基本</a:t>
+            </a:r>
+            <a:r>
+              <a:rPr lang="zh-CN" altLang="en-US" dirty="0" smtClean="0"/>
+              <a:t>概念</a:t>
             </a:r>
             <a:endParaRPr lang="en-US" altLang="zh-CN" dirty="0" smtClean="0"/>
           </a:p>
@@ -5887,7 +6662,7 @@
             </a:r>
             <a:r>
               <a:rPr lang="zh-CN" altLang="en-US" dirty="0" smtClean="0"/>
-              <a:t>基本概念</a:t>
+              <a:t>安装及基本配置</a:t>
             </a:r>
             <a:endParaRPr lang="en-US" altLang="zh-CN" dirty="0" smtClean="0"/>
           </a:p>
@@ -5967,7 +6742,27 @@
             </a:r>
             <a:r>
               <a:rPr lang="zh-CN" altLang="en-US" dirty="0" smtClean="0"/>
-              <a:t>常用协同开发模式</a:t>
+              <a:t>工作流</a:t>
+            </a:r>
+            <a:endParaRPr lang="en-US" altLang="zh-CN" dirty="0" smtClean="0"/>
+          </a:p>
+          <a:p>
+            <a:pPr>
+              <a:lnSpc>
+                <a:spcPct val="160000"/>
+              </a:lnSpc>
+            </a:pPr>
+            <a:r>
+              <a:rPr lang="en-US" altLang="zh-CN" dirty="0" smtClean="0"/>
+              <a:t>9.git</a:t>
+            </a:r>
+            <a:r>
+              <a:rPr lang="zh-CN" altLang="en-US" dirty="0"/>
+              <a:t>实用</a:t>
+            </a:r>
+            <a:r>
+              <a:rPr lang="zh-CN" altLang="en-US" dirty="0" smtClean="0"/>
+              <a:t>工具及命令</a:t>
             </a:r>
             <a:endParaRPr lang="zh-CN" altLang="en-US" dirty="0"/>
           </a:p>
@@ -6641,27 +7436,33 @@
             <p:ph type="title"/>
           </p:nvPr>
         </p:nvSpPr>
-        <p:spPr/>
+        <p:spPr>
+          <a:xfrm>
+            <a:off x="838200" y="0"/>
+            <a:ext cx="10515600" cy="1325563"/>
+          </a:xfrm>
+        </p:spPr>
         <p:txBody>
           <a:bodyPr/>
           <a:lstStyle/>
           <a:p>
             <a:pPr algn="ctr"/>
             <a:r>
-              <a:rPr lang="en-US" altLang="zh-CN" dirty="0" smtClean="0"/>
-              <a:t>2.Git</a:t>
-            </a:r>
-            <a:r>
-              <a:rPr lang="zh-CN" altLang="en-US" dirty="0" smtClean="0"/>
-              <a:t>安装及基本配置</a:t>
-            </a:r>
-            <a:r>
-              <a:rPr lang="en-US" altLang="zh-CN" dirty="0" smtClean="0"/>
-              <a:t/>
-            </a:r>
-            <a:br>
-              <a:rPr lang="en-US" altLang="zh-CN" dirty="0" smtClean="0"/>
-            </a:br>
+              <a:rPr lang="en-US" altLang="zh-CN" dirty="0"/>
+              <a:t>2</a:t>
+            </a:r>
+            <a:r>
+              <a:rPr lang="en-US" altLang="zh-CN" dirty="0" smtClean="0"/>
+              <a:t>. </a:t>
+            </a:r>
+            <a:r>
+              <a:rPr lang="en-US" altLang="zh-CN" dirty="0" err="1" smtClean="0"/>
+              <a:t>Git</a:t>
+            </a:r>
+            <a:r>
+              <a:rPr lang="zh-CN" altLang="en-US" dirty="0" smtClean="0"/>
+              <a:t>基本概念</a:t>
+            </a:r>
             <a:endParaRPr lang="zh-CN" altLang="en-US" dirty="0"/>
           </a:p>
         </p:txBody>
@@ -6678,464 +7479,336 @@
         </p:nvSpPr>
         <p:spPr>
           <a:xfrm>
-            <a:off x="838200" y="1477926"/>
-            <a:ext cx="10515600" cy="5380074"/>
+            <a:off x="838200" y="1233377"/>
+            <a:ext cx="10515600" cy="5369441"/>
           </a:xfrm>
         </p:spPr>
         <p:txBody>
           <a:bodyPr>
-            <a:normAutofit fontScale="70000" lnSpcReduction="20000"/>
+            <a:normAutofit fontScale="55000" lnSpcReduction="20000"/>
           </a:bodyPr>
           <a:lstStyle/>
           <a:p>
             <a:r>
               <a:rPr lang="en-US" altLang="zh-CN" dirty="0" smtClean="0"/>
-              <a:t>2.1 </a:t>
-            </a:r>
-            <a:r>
-              <a:rPr lang="zh-CN" altLang="en-US" dirty="0" smtClean="0"/>
-              <a:t>安装</a:t>
-            </a:r>
-            <a:endParaRPr lang="en-US" altLang="zh-CN" dirty="0" smtClean="0"/>
-          </a:p>
-          <a:p>
-            <a:pPr lvl="1"/>
-            <a:r>
-              <a:rPr lang="en-US" altLang="zh-CN" dirty="0" smtClean="0"/>
-              <a:t> 2.1 </a:t>
+              <a:t>1.</a:t>
             </a:r>
             <a:r>
               <a:rPr lang="zh-CN" altLang="en-US" dirty="0"/>
-              <a:t>官</a:t>
-            </a:r>
-            <a:r>
-              <a:rPr lang="zh-CN" altLang="en-US" dirty="0" smtClean="0"/>
-              <a:t>网下载</a:t>
-            </a:r>
-            <a:endParaRPr lang="en-US" altLang="zh-CN" dirty="0" smtClean="0"/>
-          </a:p>
-          <a:p>
-            <a:pPr lvl="1"/>
-            <a:r>
-              <a:rPr lang="en-US" altLang="zh-CN" dirty="0" smtClean="0"/>
-              <a:t>2.2 </a:t>
-            </a:r>
-            <a:r>
-              <a:rPr lang="zh-CN" altLang="en-US" dirty="0" smtClean="0"/>
-              <a:t>从源代码安装</a:t>
-            </a:r>
-            <a:endParaRPr lang="en-US" altLang="zh-CN" dirty="0" smtClean="0"/>
-          </a:p>
-          <a:p>
-            <a:pPr lvl="1"/>
-            <a:endParaRPr lang="en-US" altLang="zh-CN" dirty="0" smtClean="0"/>
-          </a:p>
-          <a:p>
-            <a:r>
-              <a:rPr lang="en-US" altLang="zh-CN" dirty="0" smtClean="0"/>
-              <a:t>2.2 </a:t>
-            </a:r>
-            <a:r>
-              <a:rPr lang="zh-CN" altLang="en-US" dirty="0" smtClean="0"/>
-              <a:t>初次运行前配置</a:t>
-            </a:r>
-            <a:endParaRPr lang="en-US" altLang="zh-CN" dirty="0"/>
-          </a:p>
-          <a:p>
-            <a:pPr lvl="1"/>
-            <a:r>
-              <a:rPr lang="en-US" altLang="zh-CN" dirty="0" smtClean="0"/>
-              <a:t>1.git </a:t>
+              <a:t>三</a:t>
+            </a:r>
+            <a:r>
+              <a:rPr lang="zh-CN" altLang="en-US" dirty="0" smtClean="0"/>
+              <a:t>个区域</a:t>
+            </a:r>
+            <a:endParaRPr lang="en-US" altLang="zh-CN" dirty="0" smtClean="0"/>
+          </a:p>
+          <a:p>
+            <a:pPr lvl="1">
+              <a:lnSpc>
+                <a:spcPct val="170000"/>
+              </a:lnSpc>
+              <a:spcAft>
+                <a:spcPts val="600"/>
+              </a:spcAft>
+            </a:pPr>
+            <a:r>
+              <a:rPr lang="en-US" altLang="zh-CN" dirty="0" smtClean="0"/>
+              <a:t>1.1  GIT</a:t>
+            </a:r>
+            <a:r>
+              <a:rPr lang="zh-CN" altLang="en-US" dirty="0" smtClean="0"/>
+              <a:t>仓库：</a:t>
+            </a:r>
+            <a:r>
+              <a:rPr lang="zh-CN" altLang="en-US" dirty="0"/>
+              <a:t>用来保存项目的元数据和对象数据库的地方。 这是 </a:t>
             </a:r>
             <a:r>
               <a:rPr lang="en-US" altLang="zh-CN" dirty="0" err="1"/>
-              <a:t>config</a:t>
+              <a:t>Git</a:t>
             </a:r>
             <a:r>
               <a:rPr lang="en-US" altLang="zh-CN" dirty="0"/>
               <a:t> </a:t>
             </a:r>
             <a:r>
-              <a:rPr lang="en-US" altLang="zh-CN" dirty="0" smtClean="0"/>
-              <a:t>--global </a:t>
-            </a:r>
+              <a:rPr lang="zh-CN" altLang="en-US" dirty="0"/>
+              <a:t>中最重要的部分，从其它计算机克隆仓库时，拷贝的就是这里的数据</a:t>
+            </a:r>
+            <a:r>
+              <a:rPr lang="zh-CN" altLang="en-US" dirty="0" smtClean="0"/>
+              <a:t>。</a:t>
+            </a:r>
+            <a:endParaRPr lang="en-US" altLang="zh-CN" dirty="0" smtClean="0"/>
+          </a:p>
+          <a:p>
+            <a:pPr lvl="1">
+              <a:lnSpc>
+                <a:spcPct val="170000"/>
+              </a:lnSpc>
+              <a:spcAft>
+                <a:spcPts val="600"/>
+              </a:spcAft>
+            </a:pPr>
+            <a:r>
+              <a:rPr lang="en-US" altLang="zh-CN" dirty="0" smtClean="0"/>
+              <a:t>1.2  </a:t>
+            </a:r>
+            <a:r>
+              <a:rPr lang="zh-CN" altLang="en-US" dirty="0" smtClean="0"/>
+              <a:t>暂存区域：</a:t>
+            </a:r>
+            <a:r>
+              <a:rPr lang="zh-CN" altLang="en-US" dirty="0"/>
+              <a:t>保存了下次将提交的文件列表</a:t>
+            </a:r>
+            <a:r>
+              <a:rPr lang="zh-CN" altLang="en-US" dirty="0" smtClean="0"/>
+              <a:t>信息；</a:t>
+            </a:r>
+            <a:endParaRPr lang="en-US" altLang="zh-CN" dirty="0" smtClean="0"/>
+          </a:p>
+          <a:p>
+            <a:pPr lvl="1">
+              <a:lnSpc>
+                <a:spcPct val="170000"/>
+              </a:lnSpc>
+              <a:spcAft>
+                <a:spcPts val="600"/>
+              </a:spcAft>
+            </a:pPr>
+            <a:r>
+              <a:rPr lang="en-US" altLang="zh-CN" dirty="0" smtClean="0"/>
+              <a:t>1.3  </a:t>
+            </a:r>
+            <a:r>
+              <a:rPr lang="zh-CN" altLang="en-US" dirty="0" smtClean="0"/>
+              <a:t>工作区域：项目的</a:t>
+            </a:r>
+            <a:r>
+              <a:rPr lang="zh-CN" altLang="en-US" dirty="0"/>
+              <a:t>某个版本独立提取出来的</a:t>
+            </a:r>
+            <a:r>
+              <a:rPr lang="zh-CN" altLang="en-US" dirty="0" smtClean="0"/>
+              <a:t>内容。</a:t>
+            </a:r>
+            <a:endParaRPr lang="en-US" altLang="zh-CN" dirty="0" smtClean="0"/>
+          </a:p>
+          <a:p>
+            <a:r>
+              <a:rPr lang="en-US" altLang="zh-CN" dirty="0" smtClean="0"/>
+              <a:t>2. </a:t>
+            </a:r>
+            <a:r>
+              <a:rPr lang="zh-CN" altLang="en-US" dirty="0" smtClean="0"/>
+              <a:t>三种状态</a:t>
+            </a:r>
+            <a:endParaRPr lang="en-US" altLang="zh-CN" dirty="0" smtClean="0"/>
+          </a:p>
+          <a:p>
+            <a:pPr lvl="1">
+              <a:lnSpc>
+                <a:spcPct val="170000"/>
+              </a:lnSpc>
+              <a:spcAft>
+                <a:spcPts val="600"/>
+              </a:spcAft>
+            </a:pPr>
+            <a:r>
+              <a:rPr lang="en-US" altLang="zh-CN" dirty="0" smtClean="0"/>
+              <a:t>2.1 </a:t>
+            </a:r>
+            <a:r>
+              <a:rPr lang="zh-CN" altLang="en-US" dirty="0" smtClean="0"/>
+              <a:t>已提交：表示数据</a:t>
+            </a:r>
+            <a:r>
+              <a:rPr lang="zh-CN" altLang="en-US" dirty="0"/>
+              <a:t>已经安全的保存在本地数据库</a:t>
+            </a:r>
+            <a:r>
+              <a:rPr lang="zh-CN" altLang="en-US" dirty="0" smtClean="0"/>
+              <a:t>中；</a:t>
+            </a:r>
+            <a:endParaRPr lang="en-US" altLang="zh-CN" dirty="0" smtClean="0"/>
+          </a:p>
+          <a:p>
+            <a:pPr lvl="1">
+              <a:lnSpc>
+                <a:spcPct val="170000"/>
+              </a:lnSpc>
+              <a:spcAft>
+                <a:spcPts val="600"/>
+              </a:spcAft>
+            </a:pPr>
+            <a:r>
+              <a:rPr lang="en-US" altLang="zh-CN" dirty="0" smtClean="0"/>
+              <a:t>2.2  </a:t>
+            </a:r>
+            <a:r>
+              <a:rPr lang="zh-CN" altLang="en-US" dirty="0" smtClean="0"/>
+              <a:t>已修改：</a:t>
+            </a:r>
+            <a:r>
+              <a:rPr lang="zh-CN" altLang="en-US" dirty="0"/>
+              <a:t>表示修改了文件，但还</a:t>
+            </a:r>
+            <a:r>
+              <a:rPr lang="zh-CN" altLang="en-US" dirty="0" smtClean="0"/>
+              <a:t>没放到暂存区域；</a:t>
+            </a:r>
+            <a:endParaRPr lang="en-US" altLang="zh-CN" dirty="0" smtClean="0"/>
+          </a:p>
+          <a:p>
+            <a:pPr lvl="1">
+              <a:lnSpc>
+                <a:spcPct val="170000"/>
+              </a:lnSpc>
+              <a:spcAft>
+                <a:spcPts val="600"/>
+              </a:spcAft>
+            </a:pPr>
+            <a:r>
+              <a:rPr lang="en-US" altLang="zh-CN" dirty="0" smtClean="0"/>
+              <a:t>2.3 </a:t>
+            </a:r>
+            <a:r>
+              <a:rPr lang="zh-CN" altLang="en-US" dirty="0" smtClean="0"/>
+              <a:t>已暂存：</a:t>
+            </a:r>
+            <a:r>
+              <a:rPr lang="zh-CN" altLang="en-US" dirty="0"/>
+              <a:t>表示对一个已修改文件的当前版本做了标记，使之包含在下次提交的快照中</a:t>
+            </a:r>
+            <a:r>
+              <a:rPr lang="zh-CN" altLang="en-US" dirty="0" smtClean="0"/>
+              <a:t>。</a:t>
+            </a:r>
+            <a:endParaRPr lang="en-US" altLang="zh-CN" dirty="0" smtClean="0"/>
+          </a:p>
+          <a:p>
+            <a:pPr>
+              <a:lnSpc>
+                <a:spcPct val="170000"/>
+              </a:lnSpc>
+              <a:spcAft>
+                <a:spcPts val="600"/>
+              </a:spcAft>
+            </a:pPr>
+            <a:r>
+              <a:rPr lang="en-US" altLang="zh-CN" dirty="0" smtClean="0"/>
+              <a:t>3. </a:t>
+            </a:r>
+            <a:r>
+              <a:rPr lang="en-US" altLang="zh-CN" dirty="0" err="1"/>
+              <a:t>git</a:t>
+            </a:r>
+            <a:r>
+              <a:rPr lang="zh-CN" altLang="en-US" dirty="0"/>
+              <a:t>基本的 工作</a:t>
+            </a:r>
+            <a:r>
+              <a:rPr lang="zh-CN" altLang="en-US" dirty="0" smtClean="0"/>
+              <a:t>流程：</a:t>
+            </a:r>
+            <a:endParaRPr lang="en-US" altLang="zh-CN" dirty="0" smtClean="0"/>
+          </a:p>
+          <a:p>
+            <a:pPr lvl="1">
+              <a:lnSpc>
+                <a:spcPct val="170000"/>
+              </a:lnSpc>
+              <a:spcAft>
+                <a:spcPts val="600"/>
+              </a:spcAft>
+            </a:pPr>
+            <a:r>
+              <a:rPr lang="en-US" altLang="zh-CN" dirty="0" smtClean="0"/>
+              <a:t>3.1 </a:t>
+            </a:r>
+            <a:r>
+              <a:rPr lang="zh-CN" altLang="en-US" dirty="0"/>
+              <a:t>在工作目录中修改文件。</a:t>
+            </a:r>
+          </a:p>
+          <a:p>
+            <a:pPr lvl="1">
+              <a:lnSpc>
+                <a:spcPct val="170000"/>
+              </a:lnSpc>
+              <a:spcAft>
+                <a:spcPts val="600"/>
+              </a:spcAft>
+            </a:pPr>
             <a:r>
               <a:rPr lang="en-US" altLang="zh-CN" dirty="0"/>
-              <a:t>user.name ‘</a:t>
-            </a:r>
-            <a:r>
-              <a:rPr lang="en-US" altLang="zh-CN" dirty="0" err="1" smtClean="0"/>
-              <a:t>liupp</a:t>
-            </a:r>
-            <a:r>
-              <a:rPr lang="en-US" altLang="zh-CN" dirty="0" smtClean="0"/>
-              <a:t>’</a:t>
-            </a:r>
-          </a:p>
-          <a:p>
-            <a:pPr lvl="1"/>
-            <a:r>
-              <a:rPr lang="en-US" altLang="zh-CN" dirty="0" smtClean="0"/>
-              <a:t>2. </a:t>
-            </a:r>
-            <a:r>
-              <a:rPr lang="en-US" altLang="zh-CN" dirty="0" err="1" smtClean="0"/>
-              <a:t>git</a:t>
-            </a:r>
-            <a:r>
-              <a:rPr lang="en-US" altLang="zh-CN" dirty="0" smtClean="0"/>
+              <a:t>3.2 </a:t>
+            </a:r>
+            <a:r>
+              <a:rPr lang="zh-CN" altLang="en-US" dirty="0"/>
+              <a:t>暂存文件，将文件的快照放入暂存区域。</a:t>
+            </a:r>
+          </a:p>
+          <a:p>
+            <a:pPr lvl="1">
+              <a:lnSpc>
+                <a:spcPct val="170000"/>
+              </a:lnSpc>
+              <a:spcAft>
+                <a:spcPts val="600"/>
+              </a:spcAft>
+            </a:pPr>
+            <a:r>
+              <a:rPr lang="en-US" altLang="zh-CN" dirty="0"/>
+              <a:t>3.3 </a:t>
+            </a:r>
+            <a:r>
+              <a:rPr lang="zh-CN" altLang="en-US" dirty="0"/>
+              <a:t>提交更新，找到暂存区域的文件，将快照永久性存储到 </a:t>
+            </a:r>
+            <a:r>
+              <a:rPr lang="en-US" altLang="zh-CN" dirty="0" err="1"/>
+              <a:t>Git</a:t>
+            </a:r>
+            <a:r>
+              <a:rPr lang="en-US" altLang="zh-CN" dirty="0"/>
               <a:t> </a:t>
             </a:r>
             <a:r>
-              <a:rPr lang="en-US" altLang="zh-CN" dirty="0" err="1" smtClean="0"/>
-              <a:t>config</a:t>
-            </a:r>
-            <a:r>
-              <a:rPr lang="en-US" altLang="zh-CN" dirty="0" smtClean="0"/>
-              <a:t> --global </a:t>
-            </a:r>
-            <a:r>
-              <a:rPr lang="en-US" altLang="zh-CN" dirty="0" err="1" smtClean="0"/>
-              <a:t>user.email</a:t>
-            </a:r>
-            <a:r>
-              <a:rPr lang="en-US" altLang="zh-CN" dirty="0" smtClean="0"/>
-              <a:t> </a:t>
-            </a:r>
-            <a:r>
-              <a:rPr lang="en-US" altLang="zh-CN" dirty="0" smtClean="0">
-                <a:hlinkClick r:id="rId2"/>
-              </a:rPr>
-              <a:t>liupp@2345.com</a:t>
-            </a:r>
-            <a:endParaRPr lang="en-US" altLang="zh-CN" dirty="0" smtClean="0"/>
-          </a:p>
-          <a:p>
-            <a:pPr lvl="1"/>
-            <a:endParaRPr lang="en-US" altLang="zh-CN" dirty="0" smtClean="0"/>
-          </a:p>
-          <a:p>
-            <a:r>
-              <a:rPr lang="en-US" altLang="zh-CN" dirty="0" smtClean="0"/>
-              <a:t>2.3 </a:t>
-            </a:r>
-            <a:r>
-              <a:rPr lang="zh-CN" altLang="en-US" dirty="0" smtClean="0"/>
-              <a:t>检查配置信息</a:t>
-            </a:r>
-            <a:endParaRPr lang="en-US" altLang="zh-CN" dirty="0" smtClean="0"/>
-          </a:p>
-          <a:p>
-            <a:pPr lvl="1"/>
-            <a:r>
-              <a:rPr lang="en-US" altLang="zh-CN" dirty="0" err="1"/>
-              <a:t>g</a:t>
-            </a:r>
-            <a:r>
-              <a:rPr lang="en-US" altLang="zh-CN" dirty="0" err="1" smtClean="0"/>
-              <a:t>it</a:t>
-            </a:r>
-            <a:r>
-              <a:rPr lang="en-US" altLang="zh-CN" dirty="0" smtClean="0"/>
-              <a:t> </a:t>
-            </a:r>
-            <a:r>
-              <a:rPr lang="en-US" altLang="zh-CN" dirty="0" err="1" smtClean="0"/>
-              <a:t>config</a:t>
-            </a:r>
-            <a:r>
-              <a:rPr lang="en-US" altLang="zh-CN" dirty="0" smtClean="0"/>
-              <a:t> –list</a:t>
-            </a:r>
-          </a:p>
-          <a:p>
-            <a:pPr lvl="1"/>
-            <a:r>
-              <a:rPr lang="en-US" altLang="zh-CN" dirty="0" err="1"/>
-              <a:t>g</a:t>
-            </a:r>
-            <a:r>
-              <a:rPr lang="en-US" altLang="zh-CN" dirty="0" err="1" smtClean="0"/>
-              <a:t>it</a:t>
-            </a:r>
-            <a:r>
-              <a:rPr lang="en-US" altLang="zh-CN" dirty="0" smtClean="0"/>
-              <a:t> </a:t>
-            </a:r>
-            <a:r>
-              <a:rPr lang="en-US" altLang="zh-CN" dirty="0" err="1" smtClean="0"/>
-              <a:t>config</a:t>
-            </a:r>
-            <a:r>
-              <a:rPr lang="en-US" altLang="zh-CN" dirty="0" smtClean="0"/>
-              <a:t> key</a:t>
-            </a:r>
-          </a:p>
-          <a:p>
-            <a:pPr lvl="1"/>
-            <a:endParaRPr lang="en-US" altLang="zh-CN" dirty="0" smtClean="0"/>
-          </a:p>
-          <a:p>
-            <a:r>
-              <a:rPr lang="en-US" altLang="zh-CN" dirty="0" smtClean="0"/>
-              <a:t>2.4 </a:t>
-            </a:r>
-            <a:r>
-              <a:rPr lang="zh-CN" altLang="en-US" dirty="0" smtClean="0"/>
-              <a:t>配置忽略文件</a:t>
-            </a:r>
-            <a:endParaRPr lang="en-US" altLang="zh-CN" dirty="0" smtClean="0"/>
-          </a:p>
-          <a:p>
-            <a:r>
-              <a:rPr lang="en-US" altLang="zh-CN" dirty="0" smtClean="0"/>
-              <a:t>.</a:t>
-            </a:r>
-            <a:r>
-              <a:rPr lang="en-US" altLang="zh-CN" dirty="0" err="1" smtClean="0"/>
-              <a:t>gitignore</a:t>
-            </a:r>
-            <a:endParaRPr lang="en-US" altLang="zh-CN" dirty="0" smtClean="0"/>
-          </a:p>
-          <a:p>
-            <a:r>
-              <a:rPr lang="zh-CN" altLang="en-US" dirty="0" smtClean="0"/>
-              <a:t>规范：</a:t>
-            </a:r>
-            <a:endParaRPr lang="en-US" altLang="zh-CN" dirty="0" smtClean="0"/>
-          </a:p>
-          <a:p>
-            <a:pPr marL="457200" lvl="1" indent="0" eaLnBrk="0" fontAlgn="base" hangingPunct="0">
+              <a:rPr lang="zh-CN" altLang="en-US" dirty="0"/>
+              <a:t>仓库目录。</a:t>
+            </a:r>
+          </a:p>
+          <a:p>
+            <a:pPr lvl="1">
               <a:lnSpc>
-                <a:spcPct val="100000"/>
+                <a:spcPct val="170000"/>
               </a:lnSpc>
-              <a:spcBef>
-                <a:spcPct val="0"/>
-              </a:spcBef>
               <a:spcAft>
-                <a:spcPct val="0"/>
+                <a:spcPts val="600"/>
               </a:spcAft>
-              <a:buFontTx/>
-              <a:buChar char="•"/>
             </a:pPr>
-            <a:r>
-              <a:rPr lang="zh-CN" altLang="zh-CN" dirty="0">
-                <a:solidFill>
-                  <a:srgbClr val="4E443C"/>
-                </a:solidFill>
-                <a:latin typeface="Arial" panose="020B0604020202020204" pitchFamily="34" charset="0"/>
-                <a:cs typeface="Arial" panose="020B0604020202020204" pitchFamily="34" charset="0"/>
-              </a:rPr>
-              <a:t>所有空行或者以 </a:t>
-            </a:r>
-            <a:r>
-              <a:rPr lang="zh-CN" altLang="zh-CN" dirty="0">
-                <a:solidFill>
-                  <a:srgbClr val="333333"/>
-                </a:solidFill>
-                <a:latin typeface="Courier New" panose="02070309020205020404" pitchFamily="49" charset="0"/>
-                <a:cs typeface="Courier New" panose="02070309020205020404" pitchFamily="49" charset="0"/>
-              </a:rPr>
-              <a:t>＃</a:t>
-            </a:r>
-            <a:r>
-              <a:rPr lang="zh-CN" altLang="zh-CN" dirty="0">
-                <a:solidFill>
-                  <a:srgbClr val="4E443C"/>
-                </a:solidFill>
-                <a:latin typeface="Arial" panose="020B0604020202020204" pitchFamily="34" charset="0"/>
-                <a:cs typeface="Arial" panose="020B0604020202020204" pitchFamily="34" charset="0"/>
-              </a:rPr>
-              <a:t> 开头的行都会被 Git 忽略。</a:t>
-            </a:r>
-          </a:p>
-          <a:p>
-            <a:pPr marL="457200" lvl="1" indent="0" eaLnBrk="0" fontAlgn="base" hangingPunct="0">
+            <a:endParaRPr lang="en-US" altLang="zh-CN" dirty="0"/>
+          </a:p>
+          <a:p>
+            <a:pPr lvl="1">
               <a:lnSpc>
-                <a:spcPct val="100000"/>
+                <a:spcPct val="170000"/>
               </a:lnSpc>
-              <a:spcBef>
-                <a:spcPct val="0"/>
-              </a:spcBef>
               <a:spcAft>
-                <a:spcPct val="0"/>
+                <a:spcPts val="600"/>
               </a:spcAft>
-              <a:buFontTx/>
-              <a:buChar char="•"/>
             </a:pPr>
-            <a:r>
-              <a:rPr lang="zh-CN" altLang="zh-CN" dirty="0">
-                <a:solidFill>
-                  <a:srgbClr val="4E443C"/>
-                </a:solidFill>
-                <a:latin typeface="Arial" panose="020B0604020202020204" pitchFamily="34" charset="0"/>
-                <a:cs typeface="Arial" panose="020B0604020202020204" pitchFamily="34" charset="0"/>
-              </a:rPr>
-              <a:t>可以使用标准的 </a:t>
-            </a:r>
-            <a:r>
-              <a:rPr lang="zh-CN" altLang="zh-CN" dirty="0" smtClean="0">
-                <a:solidFill>
-                  <a:srgbClr val="4E443C"/>
-                </a:solidFill>
-                <a:latin typeface="Arial" panose="020B0604020202020204" pitchFamily="34" charset="0"/>
-                <a:cs typeface="Arial" panose="020B0604020202020204" pitchFamily="34" charset="0"/>
-              </a:rPr>
-              <a:t>glob </a:t>
-            </a:r>
-            <a:r>
-              <a:rPr lang="zh-CN" altLang="zh-CN" dirty="0">
-                <a:solidFill>
-                  <a:srgbClr val="4E443C"/>
-                </a:solidFill>
-                <a:latin typeface="Arial" panose="020B0604020202020204" pitchFamily="34" charset="0"/>
-                <a:cs typeface="Arial" panose="020B0604020202020204" pitchFamily="34" charset="0"/>
-              </a:rPr>
-              <a:t>模式匹配。</a:t>
-            </a:r>
-          </a:p>
-          <a:p>
-            <a:pPr marL="457200" lvl="1" indent="0" eaLnBrk="0" fontAlgn="base" hangingPunct="0">
-              <a:lnSpc>
-                <a:spcPct val="100000"/>
-              </a:lnSpc>
-              <a:spcBef>
-                <a:spcPct val="0"/>
-              </a:spcBef>
-              <a:spcAft>
-                <a:spcPct val="0"/>
-              </a:spcAft>
-              <a:buFontTx/>
-              <a:buChar char="•"/>
-            </a:pPr>
-            <a:r>
-              <a:rPr lang="zh-CN" altLang="zh-CN" dirty="0">
-                <a:solidFill>
-                  <a:srgbClr val="4E443C"/>
-                </a:solidFill>
-                <a:latin typeface="Arial" panose="020B0604020202020204" pitchFamily="34" charset="0"/>
-                <a:cs typeface="Arial" panose="020B0604020202020204" pitchFamily="34" charset="0"/>
-              </a:rPr>
-              <a:t>匹配模式可以以（</a:t>
-            </a:r>
-            <a:r>
-              <a:rPr lang="zh-CN" altLang="zh-CN" dirty="0">
-                <a:solidFill>
-                  <a:srgbClr val="333333"/>
-                </a:solidFill>
-                <a:latin typeface="Courier New" panose="02070309020205020404" pitchFamily="49" charset="0"/>
-                <a:cs typeface="Courier New" panose="02070309020205020404" pitchFamily="49" charset="0"/>
-              </a:rPr>
-              <a:t>/</a:t>
-            </a:r>
-            <a:r>
-              <a:rPr lang="zh-CN" altLang="zh-CN" dirty="0">
-                <a:solidFill>
-                  <a:srgbClr val="4E443C"/>
-                </a:solidFill>
-                <a:latin typeface="Arial" panose="020B0604020202020204" pitchFamily="34" charset="0"/>
-                <a:cs typeface="Arial" panose="020B0604020202020204" pitchFamily="34" charset="0"/>
-              </a:rPr>
-              <a:t>）开头防止递归。</a:t>
-            </a:r>
-          </a:p>
-          <a:p>
-            <a:pPr marL="457200" lvl="1" indent="0" eaLnBrk="0" fontAlgn="base" hangingPunct="0">
-              <a:lnSpc>
-                <a:spcPct val="100000"/>
-              </a:lnSpc>
-              <a:spcBef>
-                <a:spcPct val="0"/>
-              </a:spcBef>
-              <a:spcAft>
-                <a:spcPct val="0"/>
-              </a:spcAft>
-              <a:buFontTx/>
-              <a:buChar char="•"/>
-            </a:pPr>
-            <a:r>
-              <a:rPr lang="zh-CN" altLang="zh-CN" dirty="0">
-                <a:solidFill>
-                  <a:srgbClr val="4E443C"/>
-                </a:solidFill>
-                <a:latin typeface="Arial" panose="020B0604020202020204" pitchFamily="34" charset="0"/>
-                <a:cs typeface="Arial" panose="020B0604020202020204" pitchFamily="34" charset="0"/>
-              </a:rPr>
-              <a:t>匹配模式可以以（</a:t>
-            </a:r>
-            <a:r>
-              <a:rPr lang="zh-CN" altLang="zh-CN" dirty="0">
-                <a:solidFill>
-                  <a:srgbClr val="333333"/>
-                </a:solidFill>
-                <a:latin typeface="Courier New" panose="02070309020205020404" pitchFamily="49" charset="0"/>
-                <a:cs typeface="Courier New" panose="02070309020205020404" pitchFamily="49" charset="0"/>
-              </a:rPr>
-              <a:t>/</a:t>
-            </a:r>
-            <a:r>
-              <a:rPr lang="zh-CN" altLang="zh-CN" dirty="0">
-                <a:solidFill>
-                  <a:srgbClr val="4E443C"/>
-                </a:solidFill>
-                <a:latin typeface="Arial" panose="020B0604020202020204" pitchFamily="34" charset="0"/>
-                <a:cs typeface="Arial" panose="020B0604020202020204" pitchFamily="34" charset="0"/>
-              </a:rPr>
-              <a:t>）结尾指定目录。</a:t>
-            </a:r>
-          </a:p>
-          <a:p>
-            <a:pPr marL="457200" lvl="1" indent="0" eaLnBrk="0" fontAlgn="base" hangingPunct="0">
-              <a:lnSpc>
-                <a:spcPct val="100000"/>
-              </a:lnSpc>
-              <a:spcBef>
-                <a:spcPct val="0"/>
-              </a:spcBef>
-              <a:spcAft>
-                <a:spcPct val="0"/>
-              </a:spcAft>
-              <a:buFontTx/>
-              <a:buChar char="•"/>
-            </a:pPr>
-            <a:r>
-              <a:rPr lang="zh-CN" altLang="zh-CN" dirty="0">
-                <a:solidFill>
-                  <a:srgbClr val="4E443C"/>
-                </a:solidFill>
-                <a:latin typeface="Arial" panose="020B0604020202020204" pitchFamily="34" charset="0"/>
-                <a:cs typeface="Arial" panose="020B0604020202020204" pitchFamily="34" charset="0"/>
-              </a:rPr>
-              <a:t>要忽略指定模式以外的文件或目录，可以在模式前加上惊叹号（</a:t>
-            </a:r>
-            <a:r>
-              <a:rPr lang="zh-CN" altLang="zh-CN" dirty="0">
-                <a:solidFill>
-                  <a:srgbClr val="333333"/>
-                </a:solidFill>
-                <a:latin typeface="Courier New" panose="02070309020205020404" pitchFamily="49" charset="0"/>
-                <a:cs typeface="Courier New" panose="02070309020205020404" pitchFamily="49" charset="0"/>
-              </a:rPr>
-              <a:t>!</a:t>
-            </a:r>
-            <a:r>
-              <a:rPr lang="zh-CN" altLang="zh-CN" dirty="0">
-                <a:solidFill>
-                  <a:srgbClr val="4E443C"/>
-                </a:solidFill>
-                <a:latin typeface="Arial" panose="020B0604020202020204" pitchFamily="34" charset="0"/>
-                <a:cs typeface="Arial" panose="020B0604020202020204" pitchFamily="34" charset="0"/>
-              </a:rPr>
-              <a:t>）取反</a:t>
-            </a:r>
-            <a:endParaRPr lang="en-US" altLang="zh-CN" dirty="0"/>
+            <a:endParaRPr lang="zh-CN" altLang="en-US" dirty="0"/>
           </a:p>
         </p:txBody>
       </p:sp>
     </p:spTree>
     <p:extLst>
       <p:ext uri="{BB962C8B-B14F-4D97-AF65-F5344CB8AC3E}">
-        <p14:creationId xmlns:p14="http://schemas.microsoft.com/office/powerpoint/2010/main" val="4099295238"/>
+        <p14:creationId xmlns:p14="http://schemas.microsoft.com/office/powerpoint/2010/main" val="1455925516"/>
       </p:ext>
     </p:extLst>
   </p:cSld>
@@ -7179,29 +7852,31 @@
             <p:ph type="title"/>
           </p:nvPr>
         </p:nvSpPr>
-        <p:spPr>
-          <a:xfrm>
-            <a:off x="838200" y="0"/>
-            <a:ext cx="10515600" cy="1325563"/>
-          </a:xfrm>
-        </p:spPr>
+        <p:spPr/>
         <p:txBody>
           <a:bodyPr/>
           <a:lstStyle/>
           <a:p>
             <a:pPr algn="ctr"/>
             <a:r>
-              <a:rPr lang="en-US" altLang="zh-CN" dirty="0" smtClean="0"/>
-              <a:t>3. </a:t>
-            </a:r>
-            <a:r>
-              <a:rPr lang="en-US" altLang="zh-CN" dirty="0" err="1" smtClean="0"/>
-              <a:t>Git</a:t>
-            </a:r>
-            <a:r>
-              <a:rPr lang="zh-CN" altLang="en-US" dirty="0" smtClean="0"/>
-              <a:t>基本概念</a:t>
-            </a:r>
+              <a:rPr lang="en-US" altLang="zh-CN" dirty="0"/>
+              <a:t>3</a:t>
+            </a:r>
+            <a:r>
+              <a:rPr lang="en-US" altLang="zh-CN" dirty="0" smtClean="0"/>
+              <a:t>.Git</a:t>
+            </a:r>
+            <a:r>
+              <a:rPr lang="zh-CN" altLang="en-US" dirty="0" smtClean="0"/>
+              <a:t>安装及基本配置</a:t>
+            </a:r>
+            <a:r>
+              <a:rPr lang="en-US" altLang="zh-CN" dirty="0" smtClean="0"/>
+              <a:t/>
+            </a:r>
+            <a:br>
+              <a:rPr lang="en-US" altLang="zh-CN" dirty="0" smtClean="0"/>
+            </a:br>
             <a:endParaRPr lang="zh-CN" altLang="en-US" dirty="0"/>
           </a:p>
         </p:txBody>
@@ -7218,336 +7893,478 @@
         </p:nvSpPr>
         <p:spPr>
           <a:xfrm>
-            <a:off x="838200" y="1233377"/>
-            <a:ext cx="10515600" cy="5369441"/>
+            <a:off x="838200" y="1477926"/>
+            <a:ext cx="10515600" cy="5380074"/>
           </a:xfrm>
         </p:spPr>
         <p:txBody>
           <a:bodyPr>
-            <a:normAutofit fontScale="55000" lnSpcReduction="20000"/>
+            <a:normAutofit fontScale="62500" lnSpcReduction="20000"/>
           </a:bodyPr>
           <a:lstStyle/>
           <a:p>
             <a:r>
               <a:rPr lang="en-US" altLang="zh-CN" dirty="0" smtClean="0"/>
-              <a:t>1.</a:t>
+              <a:t>2.1 </a:t>
+            </a:r>
+            <a:r>
+              <a:rPr lang="zh-CN" altLang="en-US" dirty="0" smtClean="0"/>
+              <a:t>安装</a:t>
+            </a:r>
+            <a:endParaRPr lang="en-US" altLang="zh-CN" dirty="0" smtClean="0"/>
+          </a:p>
+          <a:p>
+            <a:endParaRPr lang="en-US" altLang="zh-CN" dirty="0" smtClean="0"/>
+          </a:p>
+          <a:p>
+            <a:pPr lvl="1"/>
+            <a:r>
+              <a:rPr lang="en-US" altLang="zh-CN" dirty="0" smtClean="0"/>
+              <a:t>2.1 </a:t>
             </a:r>
             <a:r>
               <a:rPr lang="zh-CN" altLang="en-US" dirty="0"/>
-              <a:t>三</a:t>
-            </a:r>
-            <a:r>
-              <a:rPr lang="zh-CN" altLang="en-US" dirty="0" smtClean="0"/>
-              <a:t>个区域</a:t>
-            </a:r>
-            <a:endParaRPr lang="en-US" altLang="zh-CN" dirty="0" smtClean="0"/>
-          </a:p>
-          <a:p>
-            <a:pPr lvl="1">
-              <a:lnSpc>
-                <a:spcPct val="170000"/>
-              </a:lnSpc>
-              <a:spcAft>
-                <a:spcPts val="600"/>
-              </a:spcAft>
-            </a:pPr>
-            <a:r>
-              <a:rPr lang="en-US" altLang="zh-CN" dirty="0" smtClean="0"/>
-              <a:t>1.1  GIT</a:t>
-            </a:r>
-            <a:r>
-              <a:rPr lang="zh-CN" altLang="en-US" dirty="0" smtClean="0"/>
-              <a:t>仓库：</a:t>
-            </a:r>
-            <a:r>
-              <a:rPr lang="zh-CN" altLang="en-US" dirty="0"/>
-              <a:t>用来保存项目的元数据和对象数据库的地方。 这是 </a:t>
+              <a:t>官</a:t>
+            </a:r>
+            <a:r>
+              <a:rPr lang="zh-CN" altLang="en-US" dirty="0" smtClean="0"/>
+              <a:t>网下载</a:t>
+            </a:r>
+            <a:endParaRPr lang="en-US" altLang="zh-CN" dirty="0" smtClean="0"/>
+          </a:p>
+          <a:p>
+            <a:pPr lvl="1"/>
+            <a:r>
+              <a:rPr lang="en-US" altLang="zh-CN" dirty="0" smtClean="0"/>
+              <a:t>2.2 </a:t>
+            </a:r>
+            <a:r>
+              <a:rPr lang="zh-CN" altLang="en-US" dirty="0" smtClean="0"/>
+              <a:t>从源代码安装</a:t>
+            </a:r>
+            <a:endParaRPr lang="en-US" altLang="zh-CN" dirty="0" smtClean="0"/>
+          </a:p>
+          <a:p>
+            <a:pPr lvl="1"/>
+            <a:endParaRPr lang="en-US" altLang="zh-CN" dirty="0" smtClean="0"/>
+          </a:p>
+          <a:p>
+            <a:r>
+              <a:rPr lang="en-US" altLang="zh-CN" dirty="0" smtClean="0"/>
+              <a:t>2.2 </a:t>
+            </a:r>
+            <a:r>
+              <a:rPr lang="zh-CN" altLang="en-US" dirty="0" smtClean="0"/>
+              <a:t>初次运行前配置</a:t>
+            </a:r>
+            <a:endParaRPr lang="en-US" altLang="zh-CN" dirty="0"/>
+          </a:p>
+          <a:p>
+            <a:pPr lvl="1"/>
+            <a:r>
+              <a:rPr lang="en-US" altLang="zh-CN" dirty="0" smtClean="0"/>
+              <a:t>1.git </a:t>
             </a:r>
             <a:r>
               <a:rPr lang="en-US" altLang="zh-CN" dirty="0" err="1"/>
-              <a:t>Git</a:t>
+              <a:t>config</a:t>
             </a:r>
             <a:r>
               <a:rPr lang="en-US" altLang="zh-CN" dirty="0"/>
               <a:t> </a:t>
             </a:r>
             <a:r>
-              <a:rPr lang="zh-CN" altLang="en-US" dirty="0"/>
-              <a:t>中最重要的部分，从其它计算机克隆仓库时，拷贝的就是这里的数据</a:t>
-            </a:r>
-            <a:r>
-              <a:rPr lang="zh-CN" altLang="en-US" dirty="0" smtClean="0"/>
-              <a:t>。</a:t>
-            </a:r>
-            <a:endParaRPr lang="en-US" altLang="zh-CN" dirty="0" smtClean="0"/>
-          </a:p>
-          <a:p>
-            <a:pPr lvl="1">
-              <a:lnSpc>
-                <a:spcPct val="170000"/>
-              </a:lnSpc>
-              <a:spcAft>
-                <a:spcPts val="600"/>
-              </a:spcAft>
-            </a:pPr>
-            <a:r>
-              <a:rPr lang="en-US" altLang="zh-CN" dirty="0" smtClean="0"/>
-              <a:t>1.2  </a:t>
-            </a:r>
-            <a:r>
-              <a:rPr lang="zh-CN" altLang="en-US" dirty="0" smtClean="0"/>
-              <a:t>暂存区域：</a:t>
-            </a:r>
-            <a:r>
-              <a:rPr lang="zh-CN" altLang="en-US" dirty="0"/>
-              <a:t>保存了下次将提交的文件列表</a:t>
-            </a:r>
-            <a:r>
-              <a:rPr lang="zh-CN" altLang="en-US" dirty="0" smtClean="0"/>
-              <a:t>信息；</a:t>
-            </a:r>
-            <a:endParaRPr lang="en-US" altLang="zh-CN" dirty="0" smtClean="0"/>
-          </a:p>
-          <a:p>
-            <a:pPr lvl="1">
-              <a:lnSpc>
-                <a:spcPct val="170000"/>
-              </a:lnSpc>
-              <a:spcAft>
-                <a:spcPts val="600"/>
-              </a:spcAft>
-            </a:pPr>
-            <a:r>
-              <a:rPr lang="en-US" altLang="zh-CN" dirty="0" smtClean="0"/>
-              <a:t>1.3  </a:t>
-            </a:r>
-            <a:r>
-              <a:rPr lang="zh-CN" altLang="en-US" dirty="0" smtClean="0"/>
-              <a:t>工作区域：项目的</a:t>
-            </a:r>
-            <a:r>
-              <a:rPr lang="zh-CN" altLang="en-US" dirty="0"/>
-              <a:t>某个版本独立提取出来的</a:t>
-            </a:r>
-            <a:r>
-              <a:rPr lang="zh-CN" altLang="en-US" dirty="0" smtClean="0"/>
-              <a:t>内容。</a:t>
-            </a:r>
-            <a:endParaRPr lang="en-US" altLang="zh-CN" dirty="0" smtClean="0"/>
-          </a:p>
-          <a:p>
+              <a:rPr lang="en-US" altLang="zh-CN" dirty="0" smtClean="0"/>
+              <a:t>--global </a:t>
+            </a:r>
+            <a:r>
+              <a:rPr lang="en-US" altLang="zh-CN" dirty="0"/>
+              <a:t>user.name </a:t>
+            </a:r>
+            <a:r>
+              <a:rPr lang="en-US" altLang="zh-CN" dirty="0" smtClean="0"/>
+              <a:t>‘</a:t>
+            </a:r>
+            <a:r>
+              <a:rPr lang="en-US" altLang="zh-CN" dirty="0" err="1" smtClean="0"/>
+              <a:t>liupp</a:t>
+            </a:r>
+            <a:r>
+              <a:rPr lang="en-US" altLang="zh-CN" dirty="0" smtClean="0"/>
+              <a:t>’</a:t>
+            </a:r>
+          </a:p>
+          <a:p>
+            <a:pPr lvl="1"/>
             <a:r>
               <a:rPr lang="en-US" altLang="zh-CN" dirty="0" smtClean="0"/>
               <a:t>2. </a:t>
             </a:r>
             <a:r>
-              <a:rPr lang="zh-CN" altLang="en-US" dirty="0" smtClean="0"/>
-              <a:t>三种状态</a:t>
-            </a:r>
-            <a:endParaRPr lang="en-US" altLang="zh-CN" dirty="0" smtClean="0"/>
-          </a:p>
-          <a:p>
-            <a:pPr lvl="1">
-              <a:lnSpc>
-                <a:spcPct val="170000"/>
-              </a:lnSpc>
-              <a:spcAft>
-                <a:spcPts val="600"/>
-              </a:spcAft>
-            </a:pPr>
-            <a:r>
-              <a:rPr lang="en-US" altLang="zh-CN" dirty="0" smtClean="0"/>
-              <a:t>2.1 </a:t>
-            </a:r>
-            <a:r>
-              <a:rPr lang="zh-CN" altLang="en-US" dirty="0" smtClean="0"/>
-              <a:t>已提交：表示数据</a:t>
-            </a:r>
-            <a:r>
-              <a:rPr lang="zh-CN" altLang="en-US" dirty="0"/>
-              <a:t>已经安全的保存在本地数据库</a:t>
-            </a:r>
-            <a:r>
-              <a:rPr lang="zh-CN" altLang="en-US" dirty="0" smtClean="0"/>
-              <a:t>中；</a:t>
-            </a:r>
-            <a:endParaRPr lang="en-US" altLang="zh-CN" dirty="0" smtClean="0"/>
-          </a:p>
-          <a:p>
-            <a:pPr lvl="1">
-              <a:lnSpc>
-                <a:spcPct val="170000"/>
-              </a:lnSpc>
-              <a:spcAft>
-                <a:spcPts val="600"/>
-              </a:spcAft>
-            </a:pPr>
-            <a:r>
-              <a:rPr lang="en-US" altLang="zh-CN" dirty="0" smtClean="0"/>
-              <a:t>2.2  </a:t>
-            </a:r>
-            <a:r>
-              <a:rPr lang="zh-CN" altLang="en-US" dirty="0" smtClean="0"/>
-              <a:t>已修改：</a:t>
-            </a:r>
-            <a:r>
-              <a:rPr lang="zh-CN" altLang="en-US" dirty="0"/>
-              <a:t>表示修改了文件，但还</a:t>
-            </a:r>
-            <a:r>
-              <a:rPr lang="zh-CN" altLang="en-US" dirty="0" smtClean="0"/>
-              <a:t>没放到暂存区域；</a:t>
-            </a:r>
-            <a:endParaRPr lang="en-US" altLang="zh-CN" dirty="0" smtClean="0"/>
-          </a:p>
-          <a:p>
-            <a:pPr lvl="1">
-              <a:lnSpc>
-                <a:spcPct val="170000"/>
-              </a:lnSpc>
-              <a:spcAft>
-                <a:spcPts val="600"/>
-              </a:spcAft>
-            </a:pPr>
+              <a:rPr lang="en-US" altLang="zh-CN" dirty="0" err="1" smtClean="0"/>
+              <a:t>git</a:t>
+            </a:r>
+            <a:r>
+              <a:rPr lang="en-US" altLang="zh-CN" dirty="0" smtClean="0"/>
+              <a:t> </a:t>
+            </a:r>
+            <a:r>
+              <a:rPr lang="en-US" altLang="zh-CN" dirty="0" err="1" smtClean="0"/>
+              <a:t>config</a:t>
+            </a:r>
+            <a:r>
+              <a:rPr lang="en-US" altLang="zh-CN" dirty="0" smtClean="0"/>
+              <a:t> --global </a:t>
+            </a:r>
+            <a:r>
+              <a:rPr lang="en-US" altLang="zh-CN" dirty="0" err="1" smtClean="0"/>
+              <a:t>user.email</a:t>
+            </a:r>
+            <a:r>
+              <a:rPr lang="en-US" altLang="zh-CN" dirty="0" smtClean="0"/>
+              <a:t> </a:t>
+            </a:r>
+            <a:r>
+              <a:rPr lang="en-US" altLang="zh-CN" dirty="0" smtClean="0">
+                <a:hlinkClick r:id="rId2"/>
+              </a:rPr>
+              <a:t>‘liupp@2345.com</a:t>
+            </a:r>
+            <a:r>
+              <a:rPr lang="en-US" altLang="zh-CN" dirty="0" smtClean="0"/>
+              <a:t>’</a:t>
+            </a:r>
+          </a:p>
+          <a:p>
+            <a:pPr lvl="1"/>
+            <a:endParaRPr lang="en-US" altLang="zh-CN" dirty="0" smtClean="0"/>
+          </a:p>
+          <a:p>
             <a:r>
               <a:rPr lang="en-US" altLang="zh-CN" dirty="0" smtClean="0"/>
               <a:t>2.3 </a:t>
             </a:r>
             <a:r>
               <a:rPr lang="zh-CN" altLang="en-US" dirty="0" smtClean="0"/>
-              <a:t>已暂存：</a:t>
-            </a:r>
-            <a:r>
-              <a:rPr lang="zh-CN" altLang="en-US" dirty="0"/>
-              <a:t>表示对一个已修改文件的当前版本做了标记，使之包含在下次提交的快照中</a:t>
-            </a:r>
-            <a:r>
-              <a:rPr lang="zh-CN" altLang="en-US" dirty="0" smtClean="0"/>
-              <a:t>。</a:t>
-            </a:r>
-            <a:endParaRPr lang="en-US" altLang="zh-CN" dirty="0" smtClean="0"/>
-          </a:p>
-          <a:p>
-            <a:pPr>
-              <a:lnSpc>
-                <a:spcPct val="170000"/>
-              </a:lnSpc>
-              <a:spcAft>
-                <a:spcPts val="600"/>
-              </a:spcAft>
-            </a:pPr>
-            <a:r>
-              <a:rPr lang="en-US" altLang="zh-CN" dirty="0" smtClean="0"/>
-              <a:t>3. </a:t>
-            </a:r>
+              <a:t>检查配置信息</a:t>
+            </a:r>
+            <a:endParaRPr lang="en-US" altLang="zh-CN" dirty="0" smtClean="0"/>
+          </a:p>
+          <a:p>
+            <a:pPr lvl="1"/>
             <a:r>
               <a:rPr lang="en-US" altLang="zh-CN" dirty="0" err="1"/>
-              <a:t>git</a:t>
-            </a:r>
-            <a:r>
-              <a:rPr lang="zh-CN" altLang="en-US" dirty="0"/>
-              <a:t>基本的 工作</a:t>
-            </a:r>
-            <a:r>
-              <a:rPr lang="zh-CN" altLang="en-US" dirty="0" smtClean="0"/>
-              <a:t>流程：</a:t>
-            </a:r>
-            <a:endParaRPr lang="en-US" altLang="zh-CN" dirty="0" smtClean="0"/>
-          </a:p>
-          <a:p>
-            <a:pPr lvl="1">
-              <a:lnSpc>
-                <a:spcPct val="170000"/>
-              </a:lnSpc>
-              <a:spcAft>
-                <a:spcPts val="600"/>
-              </a:spcAft>
-            </a:pPr>
-            <a:r>
-              <a:rPr lang="en-US" altLang="zh-CN" dirty="0" smtClean="0"/>
-              <a:t>3.1 </a:t>
-            </a:r>
-            <a:r>
-              <a:rPr lang="zh-CN" altLang="en-US" dirty="0"/>
-              <a:t>在工作目录中修改文件。</a:t>
-            </a:r>
-          </a:p>
-          <a:p>
-            <a:pPr lvl="1">
-              <a:lnSpc>
-                <a:spcPct val="170000"/>
-              </a:lnSpc>
-              <a:spcAft>
-                <a:spcPts val="600"/>
-              </a:spcAft>
-            </a:pPr>
-            <a:r>
-              <a:rPr lang="en-US" altLang="zh-CN" dirty="0"/>
-              <a:t>3.2 </a:t>
-            </a:r>
-            <a:r>
-              <a:rPr lang="zh-CN" altLang="en-US" dirty="0"/>
-              <a:t>暂存文件，将文件的快照放入暂存区域。</a:t>
-            </a:r>
-          </a:p>
-          <a:p>
-            <a:pPr lvl="1">
-              <a:lnSpc>
-                <a:spcPct val="170000"/>
-              </a:lnSpc>
-              <a:spcAft>
-                <a:spcPts val="600"/>
-              </a:spcAft>
-            </a:pPr>
-            <a:r>
-              <a:rPr lang="en-US" altLang="zh-CN" dirty="0"/>
-              <a:t>3.3 </a:t>
-            </a:r>
-            <a:r>
-              <a:rPr lang="zh-CN" altLang="en-US" dirty="0"/>
-              <a:t>提交更新，找到暂存区域的文件，将快照永久性存储到 </a:t>
-            </a:r>
-            <a:r>
-              <a:rPr lang="en-US" altLang="zh-CN" dirty="0" err="1"/>
-              <a:t>Git</a:t>
+              <a:t>g</a:t>
+            </a:r>
+            <a:r>
+              <a:rPr lang="en-US" altLang="zh-CN" dirty="0" err="1" smtClean="0"/>
+              <a:t>it</a:t>
+            </a:r>
+            <a:r>
+              <a:rPr lang="en-US" altLang="zh-CN" dirty="0" smtClean="0"/>
+              <a:t> </a:t>
+            </a:r>
+            <a:r>
+              <a:rPr lang="en-US" altLang="zh-CN" dirty="0" err="1" smtClean="0"/>
+              <a:t>config</a:t>
             </a:r>
             <a:r>
               <a:rPr lang="en-US" altLang="zh-CN" dirty="0"/>
               <a:t> </a:t>
             </a:r>
             <a:r>
-              <a:rPr lang="zh-CN" altLang="en-US" dirty="0"/>
-              <a:t>仓库目录。</a:t>
-            </a:r>
-          </a:p>
-          <a:p>
-            <a:pPr lvl="1">
+              <a:rPr lang="en-US" altLang="zh-CN" dirty="0" smtClean="0"/>
+              <a:t>--list</a:t>
+            </a:r>
+          </a:p>
+          <a:p>
+            <a:pPr lvl="1"/>
+            <a:r>
+              <a:rPr lang="en-US" altLang="zh-CN" dirty="0" err="1"/>
+              <a:t>g</a:t>
+            </a:r>
+            <a:r>
+              <a:rPr lang="en-US" altLang="zh-CN" dirty="0" err="1" smtClean="0"/>
+              <a:t>it</a:t>
+            </a:r>
+            <a:r>
+              <a:rPr lang="en-US" altLang="zh-CN" dirty="0" smtClean="0"/>
+              <a:t> </a:t>
+            </a:r>
+            <a:r>
+              <a:rPr lang="en-US" altLang="zh-CN" dirty="0" err="1" smtClean="0"/>
+              <a:t>config</a:t>
+            </a:r>
+            <a:r>
+              <a:rPr lang="en-US" altLang="zh-CN" dirty="0" smtClean="0"/>
+              <a:t> key</a:t>
+            </a:r>
+          </a:p>
+          <a:p>
+            <a:pPr lvl="1"/>
+            <a:endParaRPr lang="en-US" altLang="zh-CN" dirty="0" smtClean="0"/>
+          </a:p>
+          <a:p>
+            <a:r>
+              <a:rPr lang="en-US" altLang="zh-CN" dirty="0" smtClean="0"/>
+              <a:t>2.4 </a:t>
+            </a:r>
+            <a:r>
+              <a:rPr lang="zh-CN" altLang="en-US" dirty="0" smtClean="0"/>
+              <a:t>配置忽略文件</a:t>
+            </a:r>
+            <a:endParaRPr lang="en-US" altLang="zh-CN" dirty="0" smtClean="0"/>
+          </a:p>
+          <a:p>
+            <a:r>
+              <a:rPr lang="en-US" altLang="zh-CN" dirty="0" smtClean="0"/>
+              <a:t>.</a:t>
+            </a:r>
+            <a:r>
+              <a:rPr lang="en-US" altLang="zh-CN" dirty="0" err="1" smtClean="0"/>
+              <a:t>gitignore</a:t>
+            </a:r>
+            <a:endParaRPr lang="en-US" altLang="zh-CN" dirty="0" smtClean="0"/>
+          </a:p>
+          <a:p>
+            <a:r>
+              <a:rPr lang="zh-CN" altLang="en-US" dirty="0" smtClean="0"/>
+              <a:t>规范：</a:t>
+            </a:r>
+            <a:endParaRPr lang="en-US" altLang="zh-CN" dirty="0" smtClean="0"/>
+          </a:p>
+          <a:p>
+            <a:pPr marL="457200" lvl="1" indent="0" eaLnBrk="0" fontAlgn="base" hangingPunct="0">
               <a:lnSpc>
-                <a:spcPct val="170000"/>
+                <a:spcPct val="100000"/>
               </a:lnSpc>
+              <a:spcBef>
+                <a:spcPct val="0"/>
+              </a:spcBef>
               <a:spcAft>
-                <a:spcPts val="600"/>
+                <a:spcPct val="0"/>
               </a:spcAft>
+              <a:buFontTx/>
+              <a:buChar char="•"/>
             </a:pPr>
+            <a:r>
+              <a:rPr lang="zh-CN" altLang="zh-CN" dirty="0">
+                <a:solidFill>
+                  <a:srgbClr val="4E443C"/>
+                </a:solidFill>
+                <a:latin typeface="Arial" panose="020B0604020202020204" pitchFamily="34" charset="0"/>
+                <a:cs typeface="Arial" panose="020B0604020202020204" pitchFamily="34" charset="0"/>
+              </a:rPr>
+              <a:t>所有空行或者以 </a:t>
+            </a:r>
+            <a:r>
+              <a:rPr lang="zh-CN" altLang="zh-CN" dirty="0">
+                <a:solidFill>
+                  <a:srgbClr val="333333"/>
+                </a:solidFill>
+                <a:latin typeface="Courier New" panose="02070309020205020404" pitchFamily="49" charset="0"/>
+                <a:cs typeface="Courier New" panose="02070309020205020404" pitchFamily="49" charset="0"/>
+              </a:rPr>
+              <a:t>＃</a:t>
+            </a:r>
+            <a:r>
+              <a:rPr lang="zh-CN" altLang="zh-CN" dirty="0">
+                <a:solidFill>
+                  <a:srgbClr val="4E443C"/>
+                </a:solidFill>
+                <a:latin typeface="Arial" panose="020B0604020202020204" pitchFamily="34" charset="0"/>
+                <a:cs typeface="Arial" panose="020B0604020202020204" pitchFamily="34" charset="0"/>
+              </a:rPr>
+              <a:t> 开头的行都会被 Git 忽略。</a:t>
+            </a:r>
+          </a:p>
+          <a:p>
+            <a:pPr marL="457200" lvl="1" indent="0" eaLnBrk="0" fontAlgn="base" hangingPunct="0">
+              <a:lnSpc>
+                <a:spcPct val="100000"/>
+              </a:lnSpc>
+              <a:spcBef>
+                <a:spcPct val="0"/>
+              </a:spcBef>
+              <a:spcAft>
+                <a:spcPct val="0"/>
+              </a:spcAft>
+              <a:buFontTx/>
+              <a:buChar char="•"/>
+            </a:pPr>
+            <a:r>
+              <a:rPr lang="zh-CN" altLang="zh-CN" dirty="0">
+                <a:solidFill>
+                  <a:srgbClr val="4E443C"/>
+                </a:solidFill>
+                <a:latin typeface="Arial" panose="020B0604020202020204" pitchFamily="34" charset="0"/>
+                <a:cs typeface="Arial" panose="020B0604020202020204" pitchFamily="34" charset="0"/>
+              </a:rPr>
+              <a:t>可以使用标准的 </a:t>
+            </a:r>
+            <a:r>
+              <a:rPr lang="zh-CN" altLang="zh-CN" dirty="0" smtClean="0">
+                <a:solidFill>
+                  <a:srgbClr val="4E443C"/>
+                </a:solidFill>
+                <a:latin typeface="Arial" panose="020B0604020202020204" pitchFamily="34" charset="0"/>
+                <a:cs typeface="Arial" panose="020B0604020202020204" pitchFamily="34" charset="0"/>
+              </a:rPr>
+              <a:t>glob </a:t>
+            </a:r>
+            <a:r>
+              <a:rPr lang="zh-CN" altLang="zh-CN" dirty="0">
+                <a:solidFill>
+                  <a:srgbClr val="4E443C"/>
+                </a:solidFill>
+                <a:latin typeface="Arial" panose="020B0604020202020204" pitchFamily="34" charset="0"/>
+                <a:cs typeface="Arial" panose="020B0604020202020204" pitchFamily="34" charset="0"/>
+              </a:rPr>
+              <a:t>模式匹配。</a:t>
+            </a:r>
+          </a:p>
+          <a:p>
+            <a:pPr marL="457200" lvl="1" indent="0" eaLnBrk="0" fontAlgn="base" hangingPunct="0">
+              <a:lnSpc>
+                <a:spcPct val="100000"/>
+              </a:lnSpc>
+              <a:spcBef>
+                <a:spcPct val="0"/>
+              </a:spcBef>
+              <a:spcAft>
+                <a:spcPct val="0"/>
+              </a:spcAft>
+              <a:buFontTx/>
+              <a:buChar char="•"/>
+            </a:pPr>
+            <a:r>
+              <a:rPr lang="zh-CN" altLang="zh-CN" dirty="0">
+                <a:solidFill>
+                  <a:srgbClr val="4E443C"/>
+                </a:solidFill>
+                <a:latin typeface="Arial" panose="020B0604020202020204" pitchFamily="34" charset="0"/>
+                <a:cs typeface="Arial" panose="020B0604020202020204" pitchFamily="34" charset="0"/>
+              </a:rPr>
+              <a:t>匹配模式可以以（</a:t>
+            </a:r>
+            <a:r>
+              <a:rPr lang="zh-CN" altLang="zh-CN" dirty="0">
+                <a:solidFill>
+                  <a:srgbClr val="333333"/>
+                </a:solidFill>
+                <a:latin typeface="Courier New" panose="02070309020205020404" pitchFamily="49" charset="0"/>
+                <a:cs typeface="Courier New" panose="02070309020205020404" pitchFamily="49" charset="0"/>
+              </a:rPr>
+              <a:t>/</a:t>
+            </a:r>
+            <a:r>
+              <a:rPr lang="zh-CN" altLang="zh-CN" dirty="0">
+                <a:solidFill>
+                  <a:srgbClr val="4E443C"/>
+                </a:solidFill>
+                <a:latin typeface="Arial" panose="020B0604020202020204" pitchFamily="34" charset="0"/>
+                <a:cs typeface="Arial" panose="020B0604020202020204" pitchFamily="34" charset="0"/>
+              </a:rPr>
+              <a:t>）开头防止递归。</a:t>
+            </a:r>
+          </a:p>
+          <a:p>
+            <a:pPr marL="457200" lvl="1" indent="0" eaLnBrk="0" fontAlgn="base" hangingPunct="0">
+              <a:lnSpc>
+                <a:spcPct val="100000"/>
+              </a:lnSpc>
+              <a:spcBef>
+                <a:spcPct val="0"/>
+              </a:spcBef>
+              <a:spcAft>
+                <a:spcPct val="0"/>
+              </a:spcAft>
+              <a:buFontTx/>
+              <a:buChar char="•"/>
+            </a:pPr>
+            <a:r>
+              <a:rPr lang="zh-CN" altLang="zh-CN" dirty="0">
+                <a:solidFill>
+                  <a:srgbClr val="4E443C"/>
+                </a:solidFill>
+                <a:latin typeface="Arial" panose="020B0604020202020204" pitchFamily="34" charset="0"/>
+                <a:cs typeface="Arial" panose="020B0604020202020204" pitchFamily="34" charset="0"/>
+              </a:rPr>
+              <a:t>匹配模式可以以（</a:t>
+            </a:r>
+            <a:r>
+              <a:rPr lang="zh-CN" altLang="zh-CN" dirty="0">
+                <a:solidFill>
+                  <a:srgbClr val="333333"/>
+                </a:solidFill>
+                <a:latin typeface="Courier New" panose="02070309020205020404" pitchFamily="49" charset="0"/>
+                <a:cs typeface="Courier New" panose="02070309020205020404" pitchFamily="49" charset="0"/>
+              </a:rPr>
+              <a:t>/</a:t>
+            </a:r>
+            <a:r>
+              <a:rPr lang="zh-CN" altLang="zh-CN" dirty="0">
+                <a:solidFill>
+                  <a:srgbClr val="4E443C"/>
+                </a:solidFill>
+                <a:latin typeface="Arial" panose="020B0604020202020204" pitchFamily="34" charset="0"/>
+                <a:cs typeface="Arial" panose="020B0604020202020204" pitchFamily="34" charset="0"/>
+              </a:rPr>
+              <a:t>）结尾指定目录。</a:t>
+            </a:r>
+          </a:p>
+          <a:p>
+            <a:pPr marL="457200" lvl="1" indent="0" eaLnBrk="0" fontAlgn="base" hangingPunct="0">
+              <a:lnSpc>
+                <a:spcPct val="100000"/>
+              </a:lnSpc>
+              <a:spcBef>
+                <a:spcPct val="0"/>
+              </a:spcBef>
+              <a:spcAft>
+                <a:spcPct val="0"/>
+              </a:spcAft>
+              <a:buFontTx/>
+              <a:buChar char="•"/>
+            </a:pPr>
+            <a:r>
+              <a:rPr lang="zh-CN" altLang="zh-CN" dirty="0">
+                <a:solidFill>
+                  <a:srgbClr val="4E443C"/>
+                </a:solidFill>
+                <a:latin typeface="Arial" panose="020B0604020202020204" pitchFamily="34" charset="0"/>
+                <a:cs typeface="Arial" panose="020B0604020202020204" pitchFamily="34" charset="0"/>
+              </a:rPr>
+              <a:t>要忽略指定模式以外的文件或目录，可以在模式前加上惊叹号（</a:t>
+            </a:r>
+            <a:r>
+              <a:rPr lang="zh-CN" altLang="zh-CN" dirty="0">
+                <a:solidFill>
+                  <a:srgbClr val="333333"/>
+                </a:solidFill>
+                <a:latin typeface="Courier New" panose="02070309020205020404" pitchFamily="49" charset="0"/>
+                <a:cs typeface="Courier New" panose="02070309020205020404" pitchFamily="49" charset="0"/>
+              </a:rPr>
+              <a:t>!</a:t>
+            </a:r>
+            <a:r>
+              <a:rPr lang="zh-CN" altLang="zh-CN" dirty="0">
+                <a:solidFill>
+                  <a:srgbClr val="4E443C"/>
+                </a:solidFill>
+                <a:latin typeface="Arial" panose="020B0604020202020204" pitchFamily="34" charset="0"/>
+                <a:cs typeface="Arial" panose="020B0604020202020204" pitchFamily="34" charset="0"/>
+              </a:rPr>
+              <a:t>）取反</a:t>
+            </a:r>
             <a:endParaRPr lang="en-US" altLang="zh-CN" dirty="0"/>
-          </a:p>
-          <a:p>
-            <a:pPr lvl="1">
-              <a:lnSpc>
-                <a:spcPct val="170000"/>
-              </a:lnSpc>
-              <a:spcAft>
-                <a:spcPts val="600"/>
-              </a:spcAft>
-            </a:pPr>
-            <a:endParaRPr lang="zh-CN" altLang="en-US" dirty="0"/>
           </a:p>
         </p:txBody>
       </p:sp>
     </p:spTree>
     <p:extLst>
       <p:ext uri="{BB962C8B-B14F-4D97-AF65-F5344CB8AC3E}">
-        <p14:creationId xmlns:p14="http://schemas.microsoft.com/office/powerpoint/2010/main" val="1455925516"/>
+        <p14:creationId xmlns:p14="http://schemas.microsoft.com/office/powerpoint/2010/main" val="4099295238"/>
       </p:ext>
     </p:extLst>
   </p:cSld>
@@ -7596,6 +8413,7 @@
           <a:bodyPr/>
           <a:lstStyle/>
           <a:p>
+            <a:pPr algn="ctr"/>
             <a:r>
               <a:rPr lang="en-US" altLang="zh-CN" dirty="0" smtClean="0"/>
               <a:t>4.Git </a:t>
@@ -7643,11 +8461,7 @@
             </a:r>
             <a:r>
               <a:rPr lang="zh-CN" altLang="en-US" dirty="0" smtClean="0"/>
-              <a:t>仓库</a:t>
-            </a:r>
-            <a:r>
-              <a:rPr lang="zh-CN" altLang="en-US" dirty="0" smtClean="0"/>
-              <a:t>创建</a:t>
+              <a:t>仓库创建</a:t>
             </a:r>
             <a:endParaRPr lang="en-US" altLang="zh-CN" dirty="0" smtClean="0"/>
           </a:p>
@@ -7733,11 +8547,7 @@
             </a:r>
             <a:r>
               <a:rPr lang="zh-CN" altLang="en-US" dirty="0" smtClean="0"/>
-              <a:t>检查当前文件</a:t>
-            </a:r>
-            <a:r>
-              <a:rPr lang="zh-CN" altLang="en-US" dirty="0" smtClean="0"/>
-              <a:t>状态</a:t>
+              <a:t>检查当前文件状态</a:t>
             </a:r>
             <a:endParaRPr lang="en-US" altLang="zh-CN" dirty="0" smtClean="0"/>
           </a:p>
@@ -7752,11 +8562,7 @@
             </a:r>
             <a:r>
               <a:rPr lang="en-US" altLang="zh-CN" dirty="0" smtClean="0"/>
-              <a:t> </a:t>
-            </a:r>
-            <a:r>
-              <a:rPr lang="en-US" altLang="zh-CN" dirty="0" smtClean="0"/>
-              <a:t>status</a:t>
+              <a:t> status</a:t>
             </a:r>
           </a:p>
           <a:p>
@@ -7886,13 +8692,13 @@
         </p:nvSpPr>
         <p:spPr>
           <a:xfrm>
-            <a:off x="753140" y="0"/>
-            <a:ext cx="10515600" cy="6602819"/>
+            <a:off x="753140" y="627321"/>
+            <a:ext cx="10515600" cy="5677786"/>
           </a:xfrm>
         </p:spPr>
         <p:txBody>
           <a:bodyPr>
-            <a:normAutofit fontScale="92500" lnSpcReduction="10000"/>
+            <a:normAutofit fontScale="62500" lnSpcReduction="20000"/>
           </a:bodyPr>
           <a:lstStyle/>
           <a:p>
@@ -7912,6 +8718,9 @@
               <a:rPr lang="zh-CN" altLang="en-US" dirty="0" smtClean="0"/>
               <a:t>暂存文件，标记冲突解决</a:t>
             </a:r>
+            <a:endParaRPr lang="en-US" altLang="zh-CN" dirty="0" smtClean="0"/>
+          </a:p>
+          <a:p>
             <a:endParaRPr lang="en-US" altLang="zh-CN" dirty="0" smtClean="0"/>
           </a:p>
           <a:p>
@@ -7964,6 +8773,9 @@
             <a:endParaRPr lang="en-US" altLang="zh-CN" dirty="0" smtClean="0"/>
           </a:p>
           <a:p>
+            <a:endParaRPr lang="en-US" altLang="zh-CN" dirty="0" smtClean="0"/>
+          </a:p>
+          <a:p>
             <a:pPr lvl="1"/>
             <a:r>
               <a:rPr lang="en-US" altLang="zh-CN" dirty="0" err="1"/>
@@ -8035,6 +8847,9 @@
             <a:endParaRPr lang="en-US" altLang="zh-CN" dirty="0" smtClean="0"/>
           </a:p>
           <a:p>
+            <a:endParaRPr lang="en-US" altLang="zh-CN" dirty="0" smtClean="0"/>
+          </a:p>
+          <a:p>
             <a:pPr lvl="1"/>
             <a:r>
               <a:rPr lang="en-US" altLang="zh-CN" dirty="0" err="1"/>
@@ -8118,6 +8933,9 @@
               <a:rPr lang="zh-CN" altLang="en-US" dirty="0" smtClean="0"/>
               <a:t>删除文件</a:t>
             </a:r>
+            <a:endParaRPr lang="en-US" altLang="zh-CN" dirty="0" smtClean="0"/>
+          </a:p>
+          <a:p>
             <a:endParaRPr lang="en-US" altLang="zh-CN" dirty="0" smtClean="0"/>
           </a:p>
           <a:p>

--- a/git使用详解/git.pptx
+++ b/git使用详解/git.pptx
@@ -261,7 +261,7 @@
           <a:p>
             <a:fld id="{293A34E6-EC3D-4813-B09A-C0EDABDFCF70}" type="datetimeFigureOut">
               <a:rPr lang="zh-CN" altLang="en-US" smtClean="0"/>
-              <a:t>2018/9/13</a:t>
+              <a:t>2018/10/17</a:t>
             </a:fld>
             <a:endParaRPr lang="zh-CN" altLang="en-US"/>
           </a:p>
@@ -431,7 +431,7 @@
           <a:p>
             <a:fld id="{293A34E6-EC3D-4813-B09A-C0EDABDFCF70}" type="datetimeFigureOut">
               <a:rPr lang="zh-CN" altLang="en-US" smtClean="0"/>
-              <a:t>2018/9/13</a:t>
+              <a:t>2018/10/17</a:t>
             </a:fld>
             <a:endParaRPr lang="zh-CN" altLang="en-US"/>
           </a:p>
@@ -611,7 +611,7 @@
           <a:p>
             <a:fld id="{293A34E6-EC3D-4813-B09A-C0EDABDFCF70}" type="datetimeFigureOut">
               <a:rPr lang="zh-CN" altLang="en-US" smtClean="0"/>
-              <a:t>2018/9/13</a:t>
+              <a:t>2018/10/17</a:t>
             </a:fld>
             <a:endParaRPr lang="zh-CN" altLang="en-US"/>
           </a:p>
@@ -781,7 +781,7 @@
           <a:p>
             <a:fld id="{293A34E6-EC3D-4813-B09A-C0EDABDFCF70}" type="datetimeFigureOut">
               <a:rPr lang="zh-CN" altLang="en-US" smtClean="0"/>
-              <a:t>2018/9/13</a:t>
+              <a:t>2018/10/17</a:t>
             </a:fld>
             <a:endParaRPr lang="zh-CN" altLang="en-US"/>
           </a:p>
@@ -1027,7 +1027,7 @@
           <a:p>
             <a:fld id="{293A34E6-EC3D-4813-B09A-C0EDABDFCF70}" type="datetimeFigureOut">
               <a:rPr lang="zh-CN" altLang="en-US" smtClean="0"/>
-              <a:t>2018/9/13</a:t>
+              <a:t>2018/10/17</a:t>
             </a:fld>
             <a:endParaRPr lang="zh-CN" altLang="en-US"/>
           </a:p>
@@ -1259,7 +1259,7 @@
           <a:p>
             <a:fld id="{293A34E6-EC3D-4813-B09A-C0EDABDFCF70}" type="datetimeFigureOut">
               <a:rPr lang="zh-CN" altLang="en-US" smtClean="0"/>
-              <a:t>2018/9/13</a:t>
+              <a:t>2018/10/17</a:t>
             </a:fld>
             <a:endParaRPr lang="zh-CN" altLang="en-US"/>
           </a:p>
@@ -1626,7 +1626,7 @@
           <a:p>
             <a:fld id="{293A34E6-EC3D-4813-B09A-C0EDABDFCF70}" type="datetimeFigureOut">
               <a:rPr lang="zh-CN" altLang="en-US" smtClean="0"/>
-              <a:t>2018/9/13</a:t>
+              <a:t>2018/10/17</a:t>
             </a:fld>
             <a:endParaRPr lang="zh-CN" altLang="en-US"/>
           </a:p>
@@ -1744,7 +1744,7 @@
           <a:p>
             <a:fld id="{293A34E6-EC3D-4813-B09A-C0EDABDFCF70}" type="datetimeFigureOut">
               <a:rPr lang="zh-CN" altLang="en-US" smtClean="0"/>
-              <a:t>2018/9/13</a:t>
+              <a:t>2018/10/17</a:t>
             </a:fld>
             <a:endParaRPr lang="zh-CN" altLang="en-US"/>
           </a:p>
@@ -1839,7 +1839,7 @@
           <a:p>
             <a:fld id="{293A34E6-EC3D-4813-B09A-C0EDABDFCF70}" type="datetimeFigureOut">
               <a:rPr lang="zh-CN" altLang="en-US" smtClean="0"/>
-              <a:t>2018/9/13</a:t>
+              <a:t>2018/10/17</a:t>
             </a:fld>
             <a:endParaRPr lang="zh-CN" altLang="en-US"/>
           </a:p>
@@ -2116,7 +2116,7 @@
           <a:p>
             <a:fld id="{293A34E6-EC3D-4813-B09A-C0EDABDFCF70}" type="datetimeFigureOut">
               <a:rPr lang="zh-CN" altLang="en-US" smtClean="0"/>
-              <a:t>2018/9/13</a:t>
+              <a:t>2018/10/17</a:t>
             </a:fld>
             <a:endParaRPr lang="zh-CN" altLang="en-US"/>
           </a:p>
@@ -2369,7 +2369,7 @@
           <a:p>
             <a:fld id="{293A34E6-EC3D-4813-B09A-C0EDABDFCF70}" type="datetimeFigureOut">
               <a:rPr lang="zh-CN" altLang="en-US" smtClean="0"/>
-              <a:t>2018/9/13</a:t>
+              <a:t>2018/10/17</a:t>
             </a:fld>
             <a:endParaRPr lang="zh-CN" altLang="en-US"/>
           </a:p>
@@ -2582,7 +2582,7 @@
           <a:p>
             <a:fld id="{293A34E6-EC3D-4813-B09A-C0EDABDFCF70}" type="datetimeFigureOut">
               <a:rPr lang="zh-CN" altLang="en-US" smtClean="0"/>
-              <a:t>2018/9/13</a:t>
+              <a:t>2018/10/17</a:t>
             </a:fld>
             <a:endParaRPr lang="zh-CN" altLang="en-US"/>
           </a:p>
@@ -5008,7 +5008,7 @@
         <p:spPr>
           <a:xfrm>
             <a:off x="340242" y="255181"/>
-            <a:ext cx="11472530" cy="4801314"/>
+            <a:ext cx="11472530" cy="5078313"/>
           </a:xfrm>
           <a:prstGeom prst="rect">
             <a:avLst/>
@@ -5185,17 +5185,21 @@
             </a:r>
             <a:r>
               <a:rPr lang="en-US" altLang="zh-CN" dirty="0" smtClean="0"/>
-              <a:t> checkout –b branch origin/branch</a:t>
+              <a:t> checkout –b branch </a:t>
+            </a:r>
+            <a:r>
+              <a:rPr lang="en-US" altLang="zh-CN" dirty="0" smtClean="0"/>
+              <a:t>origin/branch</a:t>
             </a:r>
           </a:p>
           <a:p>
             <a:r>
               <a:rPr lang="en-US" altLang="zh-CN" dirty="0"/>
-              <a:t>	4</a:t>
-            </a:r>
-            <a:r>
-              <a:rPr lang="en-US" altLang="zh-CN" dirty="0" smtClean="0"/>
-              <a:t>) </a:t>
+              <a:t>	</a:t>
+            </a:r>
+            <a:r>
+              <a:rPr lang="en-US" altLang="zh-CN" dirty="0" smtClean="0"/>
+              <a:t>4) </a:t>
             </a:r>
             <a:r>
               <a:rPr lang="en-US" altLang="zh-CN" dirty="0" err="1" smtClean="0"/>
@@ -5203,13 +5207,45 @@
             </a:r>
             <a:r>
               <a:rPr lang="en-US" altLang="zh-CN" dirty="0" smtClean="0"/>
-              <a:t> checkout --track  origin/branch</a:t>
-            </a:r>
-          </a:p>
-          <a:p>
-            <a:r>
-              <a:rPr lang="en-US" altLang="zh-CN" dirty="0" smtClean="0"/>
-              <a:t>	5) </a:t>
+              <a:t> checkout –</a:t>
+            </a:r>
+            <a:r>
+              <a:rPr lang="en-US" altLang="zh-CN" smtClean="0"/>
+              <a:t>track origin/branch</a:t>
+            </a:r>
+            <a:endParaRPr lang="en-US" altLang="zh-CN" dirty="0" smtClean="0"/>
+          </a:p>
+          <a:p>
+            <a:r>
+              <a:rPr lang="en-US" altLang="zh-CN" dirty="0"/>
+              <a:t>	</a:t>
+            </a:r>
+            <a:r>
+              <a:rPr lang="en-US" altLang="zh-CN" dirty="0" smtClean="0"/>
+              <a:t>5) </a:t>
+            </a:r>
+            <a:r>
+              <a:rPr lang="en-US" altLang="zh-CN" dirty="0" err="1" smtClean="0"/>
+              <a:t>git</a:t>
+            </a:r>
+            <a:r>
+              <a:rPr lang="en-US" altLang="zh-CN" dirty="0" smtClean="0"/>
+              <a:t> branch --track  branch </a:t>
+            </a:r>
+            <a:r>
+              <a:rPr lang="en-US" altLang="zh-CN" dirty="0" smtClean="0"/>
+              <a:t>origin/branch</a:t>
+            </a:r>
+            <a:endParaRPr lang="en-US" altLang="zh-CN" dirty="0" smtClean="0"/>
+          </a:p>
+          <a:p>
+            <a:r>
+              <a:rPr lang="en-US" altLang="zh-CN" dirty="0" smtClean="0"/>
+              <a:t>	</a:t>
+            </a:r>
+            <a:r>
+              <a:rPr lang="en-US" altLang="zh-CN" dirty="0" smtClean="0"/>
+              <a:t>6) </a:t>
             </a:r>
             <a:r>
               <a:rPr lang="en-US" altLang="zh-CN" dirty="0" err="1" smtClean="0"/>
@@ -6324,11 +6360,7 @@
             </a:r>
             <a:r>
               <a:rPr lang="zh-CN" altLang="en-US" dirty="0" smtClean="0"/>
-              <a:t>关闭</a:t>
-            </a:r>
-            <a:r>
-              <a:rPr lang="zh-CN" altLang="en-US" dirty="0" smtClean="0"/>
-              <a:t>查找</a:t>
+              <a:t>关闭查找</a:t>
             </a:r>
             <a:endParaRPr lang="en-US" altLang="zh-CN" dirty="0" smtClean="0"/>
           </a:p>
